--- a/Présentation1.pptx
+++ b/Présentation1.pptx
@@ -9,6 +9,7 @@
     <p:sldId id="258" r:id="rId3"/>
     <p:sldId id="259" r:id="rId4"/>
     <p:sldId id="294" r:id="rId5"/>
+    <p:sldId id="295" r:id="rId6"/>
   </p:sldIdLst>
   <p:sldSz cx="12192000" cy="6858000"/>
   <p:notesSz cx="6858000" cy="9144000"/>
@@ -115,14 +116,18 @@
             <p14:sldId id="256"/>
             <p14:sldId id="258"/>
             <p14:sldId id="259"/>
+            <p14:sldId id="294"/>
           </p14:sldIdLst>
         </p14:section>
         <p14:section name="Section sans titre" id="{C053562E-17FE-48E5-8D93-2DAC44172C1B}">
           <p14:sldIdLst>
-            <p14:sldId id="294"/>
+            <p14:sldId id="295"/>
           </p14:sldIdLst>
         </p14:section>
       </p14:sectionLst>
+    </p:ext>
+    <p:ext uri="{EFAFB233-063F-42B5-8137-9DF3F51BA10A}">
+      <p15:sldGuideLst xmlns:p15="http://schemas.microsoft.com/office/powerpoint/2012/main"/>
     </p:ext>
   </p:extLst>
 </p:presentation>
@@ -259,7 +264,7 @@
           <a:p>
             <a:fld id="{1FC9E3A4-5045-49C9-9CDF-25C2D5A049AC}" type="datetimeFigureOut">
               <a:rPr lang="fr-FR" smtClean="0"/>
-              <a:t>29/03/2018</a:t>
+              <a:t>05/04/2018</a:t>
             </a:fld>
             <a:endParaRPr lang="fr-FR"/>
           </a:p>
@@ -429,7 +434,7 @@
           <a:p>
             <a:fld id="{1FC9E3A4-5045-49C9-9CDF-25C2D5A049AC}" type="datetimeFigureOut">
               <a:rPr lang="fr-FR" smtClean="0"/>
-              <a:t>29/03/2018</a:t>
+              <a:t>05/04/2018</a:t>
             </a:fld>
             <a:endParaRPr lang="fr-FR"/>
           </a:p>
@@ -609,7 +614,7 @@
           <a:p>
             <a:fld id="{1FC9E3A4-5045-49C9-9CDF-25C2D5A049AC}" type="datetimeFigureOut">
               <a:rPr lang="fr-FR" smtClean="0"/>
-              <a:t>29/03/2018</a:t>
+              <a:t>05/04/2018</a:t>
             </a:fld>
             <a:endParaRPr lang="fr-FR"/>
           </a:p>
@@ -779,7 +784,7 @@
           <a:p>
             <a:fld id="{1FC9E3A4-5045-49C9-9CDF-25C2D5A049AC}" type="datetimeFigureOut">
               <a:rPr lang="fr-FR" smtClean="0"/>
-              <a:t>29/03/2018</a:t>
+              <a:t>05/04/2018</a:t>
             </a:fld>
             <a:endParaRPr lang="fr-FR"/>
           </a:p>
@@ -1025,7 +1030,7 @@
           <a:p>
             <a:fld id="{1FC9E3A4-5045-49C9-9CDF-25C2D5A049AC}" type="datetimeFigureOut">
               <a:rPr lang="fr-FR" smtClean="0"/>
-              <a:t>29/03/2018</a:t>
+              <a:t>05/04/2018</a:t>
             </a:fld>
             <a:endParaRPr lang="fr-FR"/>
           </a:p>
@@ -1257,7 +1262,7 @@
           <a:p>
             <a:fld id="{1FC9E3A4-5045-49C9-9CDF-25C2D5A049AC}" type="datetimeFigureOut">
               <a:rPr lang="fr-FR" smtClean="0"/>
-              <a:t>29/03/2018</a:t>
+              <a:t>05/04/2018</a:t>
             </a:fld>
             <a:endParaRPr lang="fr-FR"/>
           </a:p>
@@ -1624,7 +1629,7 @@
           <a:p>
             <a:fld id="{1FC9E3A4-5045-49C9-9CDF-25C2D5A049AC}" type="datetimeFigureOut">
               <a:rPr lang="fr-FR" smtClean="0"/>
-              <a:t>29/03/2018</a:t>
+              <a:t>05/04/2018</a:t>
             </a:fld>
             <a:endParaRPr lang="fr-FR"/>
           </a:p>
@@ -1742,7 +1747,7 @@
           <a:p>
             <a:fld id="{1FC9E3A4-5045-49C9-9CDF-25C2D5A049AC}" type="datetimeFigureOut">
               <a:rPr lang="fr-FR" smtClean="0"/>
-              <a:t>29/03/2018</a:t>
+              <a:t>05/04/2018</a:t>
             </a:fld>
             <a:endParaRPr lang="fr-FR"/>
           </a:p>
@@ -1837,7 +1842,7 @@
           <a:p>
             <a:fld id="{1FC9E3A4-5045-49C9-9CDF-25C2D5A049AC}" type="datetimeFigureOut">
               <a:rPr lang="fr-FR" smtClean="0"/>
-              <a:t>29/03/2018</a:t>
+              <a:t>05/04/2018</a:t>
             </a:fld>
             <a:endParaRPr lang="fr-FR"/>
           </a:p>
@@ -2114,7 +2119,7 @@
           <a:p>
             <a:fld id="{1FC9E3A4-5045-49C9-9CDF-25C2D5A049AC}" type="datetimeFigureOut">
               <a:rPr lang="fr-FR" smtClean="0"/>
-              <a:t>29/03/2018</a:t>
+              <a:t>05/04/2018</a:t>
             </a:fld>
             <a:endParaRPr lang="fr-FR"/>
           </a:p>
@@ -2367,7 +2372,7 @@
           <a:p>
             <a:fld id="{1FC9E3A4-5045-49C9-9CDF-25C2D5A049AC}" type="datetimeFigureOut">
               <a:rPr lang="fr-FR" smtClean="0"/>
-              <a:t>29/03/2018</a:t>
+              <a:t>05/04/2018</a:t>
             </a:fld>
             <a:endParaRPr lang="fr-FR"/>
           </a:p>
@@ -2580,7 +2585,7 @@
           <a:p>
             <a:fld id="{1FC9E3A4-5045-49C9-9CDF-25C2D5A049AC}" type="datetimeFigureOut">
               <a:rPr lang="fr-FR" smtClean="0"/>
-              <a:t>29/03/2018</a:t>
+              <a:t>05/04/2018</a:t>
             </a:fld>
             <a:endParaRPr lang="fr-FR"/>
           </a:p>
@@ -3213,7 +3218,7 @@
             <a:pPr algn="ctr"/>
             <a:r>
               <a:rPr lang="fr-FR" dirty="0" smtClean="0"/>
-              <a:t>INDEX</a:t>
+              <a:t>ACCUEIL</a:t>
             </a:r>
             <a:endParaRPr lang="fr-FR" dirty="0"/>
           </a:p>
@@ -3269,7 +3274,7 @@
             </a:r>
             <a:r>
               <a:rPr lang="fr-FR" dirty="0" smtClean="0"/>
-              <a:t>: </a:t>
+              <a:t>: Fin de semaine</a:t>
             </a:r>
           </a:p>
           <a:p>
@@ -3320,7 +3325,7 @@
             <a:pPr algn="ctr"/>
             <a:r>
               <a:rPr lang="fr-FR" sz="1200" dirty="0" smtClean="0"/>
-              <a:t>ELBA APPLI</a:t>
+              <a:t>ACCUEIL</a:t>
             </a:r>
             <a:endParaRPr lang="fr-FR" sz="1200" dirty="0"/>
           </a:p>
@@ -3456,14 +3461,14 @@
           <p:nvPr>
             <p:extLst>
               <p:ext uri="{D42A27DB-BD31-4B8C-83A1-F6EECF244321}">
-                <p14:modId xmlns:p14="http://schemas.microsoft.com/office/powerpoint/2010/main" val="268904102"/>
+                <p14:modId xmlns:p14="http://schemas.microsoft.com/office/powerpoint/2010/main" val="666377280"/>
               </p:ext>
             </p:extLst>
           </p:nvPr>
         </p:nvGraphicFramePr>
         <p:xfrm>
           <a:off x="1883128" y="1966142"/>
-          <a:ext cx="3220211" cy="972000"/>
+          <a:ext cx="3220212" cy="594360"/>
         </p:xfrm>
         <a:graphic>
           <a:graphicData uri="http://schemas.openxmlformats.org/drawingml/2006/table">
@@ -3472,21 +3477,58 @@
                 <a:tableStyleId>{5940675A-B579-460E-94D1-54222C63F5DA}</a:tableStyleId>
               </a:tblPr>
               <a:tblGrid>
-                <a:gridCol w="3220211">
+                <a:gridCol w="1610106">
                   <a:extLst>
                     <a:ext uri="{9D8B030D-6E8A-4147-A177-3AD203B41FA5}">
                       <a16:colId xmlns:a16="http://schemas.microsoft.com/office/drawing/2014/main" val="1645575785"/>
                     </a:ext>
                   </a:extLst>
                 </a:gridCol>
+                <a:gridCol w="1610106">
+                  <a:extLst>
+                    <a:ext uri="{9D8B030D-6E8A-4147-A177-3AD203B41FA5}">
+                      <a16:colId xmlns:a16="http://schemas.microsoft.com/office/drawing/2014/main" val="495735293"/>
+                    </a:ext>
+                  </a:extLst>
+                </a:gridCol>
               </a:tblGrid>
-              <a:tr h="324000">
+              <a:tr h="180000">
                 <a:tc>
                   <a:txBody>
                     <a:bodyPr/>
                     <a:lstStyle/>
                     <a:p>
-                      <a:endParaRPr lang="fr-FR" sz="500" dirty="0"/>
+                      <a:r>
+                        <a:rPr lang="fr-FR" sz="700" dirty="0" smtClean="0"/>
+                        <a:t>Class</a:t>
+                      </a:r>
+                      <a:r>
+                        <a:rPr lang="fr-FR" sz="700" baseline="0" dirty="0" smtClean="0"/>
+                        <a:t>e </a:t>
+                      </a:r>
+                      <a:r>
+                        <a:rPr lang="fr-FR" sz="700" dirty="0" smtClean="0"/>
+                        <a:t>: &lt;classe&gt;</a:t>
+                      </a:r>
+                      <a:endParaRPr lang="fr-FR" sz="700" dirty="0"/>
+                    </a:p>
+                  </a:txBody>
+                  <a:tcPr/>
+                </a:tc>
+                <a:tc>
+                  <a:txBody>
+                    <a:bodyPr/>
+                    <a:lstStyle/>
+                    <a:p>
+                      <a:r>
+                        <a:rPr lang="fr-FR" sz="700" dirty="0" smtClean="0"/>
+                        <a:t>Génération</a:t>
+                      </a:r>
+                      <a:r>
+                        <a:rPr lang="fr-FR" sz="700" baseline="0" dirty="0" smtClean="0"/>
+                        <a:t> : &lt;génération&gt;</a:t>
+                      </a:r>
+                      <a:endParaRPr lang="fr-FR" sz="700" dirty="0"/>
                     </a:p>
                   </a:txBody>
                   <a:tcPr/>
@@ -3497,13 +3539,31 @@
                   </a:ext>
                 </a:extLst>
               </a:tr>
-              <a:tr h="324000">
-                <a:tc>
+              <a:tr h="180000">
+                <a:tc gridSpan="2">
                   <a:txBody>
                     <a:bodyPr/>
                     <a:lstStyle/>
                     <a:p>
-                      <a:endParaRPr lang="fr-FR" sz="500"/>
+                      <a:r>
+                        <a:rPr lang="fr-FR" sz="700" dirty="0" smtClean="0"/>
+                        <a:t>Chef(s) de famille : &lt;Nom</a:t>
+                      </a:r>
+                      <a:r>
+                        <a:rPr lang="fr-FR" sz="700" baseline="0" dirty="0" smtClean="0"/>
+                        <a:t> prénom chef de famille&gt; &lt;Nom prénom conjoint&gt;</a:t>
+                      </a:r>
+                      <a:endParaRPr lang="fr-FR" sz="700" dirty="0"/>
+                    </a:p>
+                  </a:txBody>
+                  <a:tcPr/>
+                </a:tc>
+                <a:tc hMerge="1">
+                  <a:txBody>
+                    <a:bodyPr/>
+                    <a:lstStyle/>
+                    <a:p>
+                      <a:endParaRPr lang="fr-FR"/>
                     </a:p>
                   </a:txBody>
                   <a:tcPr/>
@@ -3514,13 +3574,23 @@
                   </a:ext>
                 </a:extLst>
               </a:tr>
-              <a:tr h="324000">
-                <a:tc>
+              <a:tr h="180000">
+                <a:tc gridSpan="2">
                   <a:txBody>
                     <a:bodyPr/>
                     <a:lstStyle/>
                     <a:p>
-                      <a:endParaRPr lang="fr-FR" sz="500" dirty="0"/>
+                      <a:endParaRPr lang="fr-FR" sz="700" dirty="0"/>
+                    </a:p>
+                  </a:txBody>
+                  <a:tcPr/>
+                </a:tc>
+                <a:tc hMerge="1">
+                  <a:txBody>
+                    <a:bodyPr/>
+                    <a:lstStyle/>
+                    <a:p>
+                      <a:endParaRPr lang="fr-FR"/>
                     </a:p>
                   </a:txBody>
                   <a:tcPr/>
@@ -3535,6 +3605,63 @@
           </a:graphicData>
         </a:graphic>
       </p:graphicFrame>
+      <p:sp>
+        <p:nvSpPr>
+          <p:cNvPr id="10" name="Rectangle à coins arrondis 9"/>
+          <p:cNvSpPr/>
+          <p:nvPr/>
+        </p:nvSpPr>
+        <p:spPr>
+          <a:xfrm>
+            <a:off x="2847156" y="5240596"/>
+            <a:ext cx="1094650" cy="162692"/>
+          </a:xfrm>
+          <a:prstGeom prst="roundRect">
+            <a:avLst/>
+          </a:prstGeom>
+          <a:solidFill>
+            <a:schemeClr val="bg1">
+              <a:lumMod val="95000"/>
+            </a:schemeClr>
+          </a:solidFill>
+        </p:spPr>
+        <p:style>
+          <a:lnRef idx="2">
+            <a:schemeClr val="accent1">
+              <a:shade val="50000"/>
+            </a:schemeClr>
+          </a:lnRef>
+          <a:fillRef idx="1">
+            <a:schemeClr val="accent1"/>
+          </a:fillRef>
+          <a:effectRef idx="0">
+            <a:schemeClr val="accent1"/>
+          </a:effectRef>
+          <a:fontRef idx="minor">
+            <a:schemeClr val="lt1"/>
+          </a:fontRef>
+        </p:style>
+        <p:txBody>
+          <a:bodyPr rtlCol="0" anchor="ctr"/>
+          <a:lstStyle/>
+          <a:p>
+            <a:pPr algn="ctr"/>
+            <a:r>
+              <a:rPr lang="fr-FR" sz="800" dirty="0" smtClean="0">
+                <a:solidFill>
+                  <a:sysClr val="windowText" lastClr="000000"/>
+                </a:solidFill>
+              </a:rPr>
+              <a:t>Fin de semaine</a:t>
+            </a:r>
+            <a:endParaRPr lang="fr-FR" sz="800" dirty="0">
+              <a:solidFill>
+                <a:sysClr val="windowText" lastClr="000000"/>
+              </a:solidFill>
+            </a:endParaRPr>
+          </a:p>
+        </p:txBody>
+      </p:sp>
     </p:spTree>
     <p:extLst>
       <p:ext uri="{BB962C8B-B14F-4D97-AF65-F5344CB8AC3E}">
@@ -3733,7 +3860,7 @@
             <a:pPr algn="ctr"/>
             <a:r>
               <a:rPr lang="fr-FR" dirty="0" smtClean="0"/>
-              <a:t>PAGE</a:t>
+              <a:t>TERRAINS</a:t>
             </a:r>
             <a:endParaRPr lang="fr-FR" dirty="0"/>
           </a:p>
@@ -3748,7 +3875,7 @@
         <p:spPr>
           <a:xfrm>
             <a:off x="6376086" y="1346886"/>
-            <a:ext cx="5066271" cy="2585323"/>
+            <a:ext cx="5066271" cy="4524315"/>
           </a:xfrm>
           <a:prstGeom prst="rect">
             <a:avLst/>
@@ -3763,7 +3890,7 @@
           <a:p>
             <a:r>
               <a:rPr lang="fr-FR" dirty="0" smtClean="0"/>
-              <a:t>Chemin : </a:t>
+              <a:t>Chemin : ../terrains/terrains.html</a:t>
             </a:r>
           </a:p>
           <a:p>
@@ -3772,7 +3899,7 @@
           <a:p>
             <a:r>
               <a:rPr lang="fr-FR" dirty="0" smtClean="0"/>
-              <a:t>Description :</a:t>
+              <a:t>Description : Cette page synthétise l’ensemble des terrains avec filtre et redirige vers les différentes actions liées aux terrains</a:t>
             </a:r>
           </a:p>
           <a:p>
@@ -3791,6 +3918,11 @@
               <a:rPr lang="fr-FR" dirty="0" smtClean="0"/>
               <a:t>: </a:t>
             </a:r>
+            <a:r>
+              <a:rPr lang="fr-FR" dirty="0" smtClean="0"/>
+              <a:t>Détails/Voir, Modifier, Modifier groupe, Supprimer, Ajouter un terrain, Ajouter un groupe de terrains, Cloner un terrain</a:t>
+            </a:r>
+            <a:endParaRPr lang="fr-FR" dirty="0" smtClean="0"/>
           </a:p>
           <a:p>
             <a:endParaRPr lang="fr-FR" dirty="0" smtClean="0"/>
@@ -3800,6 +3932,19 @@
               <a:rPr lang="fr-FR" dirty="0" smtClean="0"/>
               <a:t>Actions : </a:t>
             </a:r>
+            <a:r>
+              <a:rPr lang="fr-FR" dirty="0" smtClean="0"/>
+              <a:t>Filtrer selon catégorie, voir un terrain, modifier un terrain, modifier un groupe de terrain, supprimer un terrain, ajouter un terrain, ajouter un </a:t>
+            </a:r>
+            <a:r>
+              <a:rPr lang="fr-FR" dirty="0" err="1" smtClean="0"/>
+              <a:t>grp</a:t>
+            </a:r>
+            <a:r>
+              <a:rPr lang="fr-FR" dirty="0" smtClean="0"/>
+              <a:t> de terrain, cloner un terrain </a:t>
+            </a:r>
+            <a:endParaRPr lang="fr-FR" dirty="0" smtClean="0"/>
           </a:p>
           <a:p>
             <a:endParaRPr lang="fr-FR" dirty="0"/>
@@ -3809,6 +3954,19 @@
               <a:rPr lang="fr-FR" dirty="0" smtClean="0"/>
               <a:t>Accessible par : </a:t>
             </a:r>
+            <a:r>
+              <a:rPr lang="fr-FR" dirty="0" err="1" smtClean="0"/>
+              <a:t>Nav</a:t>
+            </a:r>
+            <a:r>
+              <a:rPr lang="fr-FR" dirty="0" err="1" smtClean="0"/>
+              <a:t>bar</a:t>
+            </a:r>
+            <a:r>
+              <a:rPr lang="fr-FR" dirty="0" smtClean="0"/>
+              <a:t>, détail terrain</a:t>
+            </a:r>
+            <a:endParaRPr lang="fr-FR" dirty="0" smtClean="0"/>
           </a:p>
         </p:txBody>
       </p:sp>
@@ -3821,7 +3979,7 @@
         <p:spPr>
           <a:xfrm>
             <a:off x="3027406" y="1036597"/>
-            <a:ext cx="914400" cy="277000"/>
+            <a:ext cx="914400" cy="276999"/>
           </a:xfrm>
           <a:prstGeom prst="rect">
             <a:avLst/>
@@ -3840,7 +3998,7 @@
             <a:pPr algn="ctr"/>
             <a:r>
               <a:rPr lang="fr-FR" sz="1200" dirty="0" smtClean="0"/>
-              <a:t>TITRE</a:t>
+              <a:t>TERRAINS</a:t>
             </a:r>
             <a:endParaRPr lang="fr-FR" sz="1200" dirty="0"/>
           </a:p>
@@ -3854,7 +4012,7 @@
         </p:nvCxnSpPr>
         <p:spPr>
           <a:xfrm>
-            <a:off x="1890583" y="1313597"/>
+            <a:off x="1890583" y="2981766"/>
             <a:ext cx="3212757" cy="0"/>
           </a:xfrm>
           <a:prstGeom prst="line">
@@ -3883,6 +4041,1173 @@
           </a:fontRef>
         </p:style>
       </p:cxnSp>
+      <p:graphicFrame>
+        <p:nvGraphicFramePr>
+          <p:cNvPr id="8" name="Tableau 7"/>
+          <p:cNvGraphicFramePr>
+            <a:graphicFrameLocks noGrp="1"/>
+          </p:cNvGraphicFramePr>
+          <p:nvPr>
+            <p:extLst>
+              <p:ext uri="{D42A27DB-BD31-4B8C-83A1-F6EECF244321}">
+                <p14:modId xmlns:p14="http://schemas.microsoft.com/office/powerpoint/2010/main" val="1082241490"/>
+              </p:ext>
+            </p:extLst>
+          </p:nvPr>
+        </p:nvGraphicFramePr>
+        <p:xfrm>
+          <a:off x="1717590" y="1502316"/>
+          <a:ext cx="3534030" cy="198120"/>
+        </p:xfrm>
+        <a:graphic>
+          <a:graphicData uri="http://schemas.openxmlformats.org/drawingml/2006/table">
+            <a:tbl>
+              <a:tblPr firstRow="1" bandRow="1">
+                <a:tableStyleId>{5940675A-B579-460E-94D1-54222C63F5DA}</a:tableStyleId>
+              </a:tblPr>
+              <a:tblGrid>
+                <a:gridCol w="706806">
+                  <a:extLst>
+                    <a:ext uri="{9D8B030D-6E8A-4147-A177-3AD203B41FA5}">
+                      <a16:colId xmlns:a16="http://schemas.microsoft.com/office/drawing/2014/main" val="558086136"/>
+                    </a:ext>
+                  </a:extLst>
+                </a:gridCol>
+                <a:gridCol w="706806">
+                  <a:extLst>
+                    <a:ext uri="{9D8B030D-6E8A-4147-A177-3AD203B41FA5}">
+                      <a16:colId xmlns:a16="http://schemas.microsoft.com/office/drawing/2014/main" val="4052784947"/>
+                    </a:ext>
+                  </a:extLst>
+                </a:gridCol>
+                <a:gridCol w="706806">
+                  <a:extLst>
+                    <a:ext uri="{9D8B030D-6E8A-4147-A177-3AD203B41FA5}">
+                      <a16:colId xmlns:a16="http://schemas.microsoft.com/office/drawing/2014/main" val="4035629799"/>
+                    </a:ext>
+                  </a:extLst>
+                </a:gridCol>
+                <a:gridCol w="706806">
+                  <a:extLst>
+                    <a:ext uri="{9D8B030D-6E8A-4147-A177-3AD203B41FA5}">
+                      <a16:colId xmlns:a16="http://schemas.microsoft.com/office/drawing/2014/main" val="4264880487"/>
+                    </a:ext>
+                  </a:extLst>
+                </a:gridCol>
+                <a:gridCol w="706806">
+                  <a:extLst>
+                    <a:ext uri="{9D8B030D-6E8A-4147-A177-3AD203B41FA5}">
+                      <a16:colId xmlns:a16="http://schemas.microsoft.com/office/drawing/2014/main" val="4111936798"/>
+                    </a:ext>
+                  </a:extLst>
+                </a:gridCol>
+              </a:tblGrid>
+              <a:tr h="180000">
+                <a:tc>
+                  <a:txBody>
+                    <a:bodyPr/>
+                    <a:lstStyle/>
+                    <a:p>
+                      <a:pPr algn="ctr"/>
+                      <a:r>
+                        <a:rPr lang="fr-FR" sz="700" dirty="0" smtClean="0"/>
+                        <a:t>Type</a:t>
+                      </a:r>
+                      <a:endParaRPr lang="fr-FR" sz="700" dirty="0"/>
+                    </a:p>
+                  </a:txBody>
+                  <a:tcPr/>
+                </a:tc>
+                <a:tc>
+                  <a:txBody>
+                    <a:bodyPr/>
+                    <a:lstStyle/>
+                    <a:p>
+                      <a:pPr algn="ctr"/>
+                      <a:r>
+                        <a:rPr lang="fr-FR" sz="700" dirty="0" err="1" smtClean="0"/>
+                        <a:t>Quatier</a:t>
+                      </a:r>
+                      <a:endParaRPr lang="fr-FR" sz="700" dirty="0"/>
+                    </a:p>
+                  </a:txBody>
+                  <a:tcPr/>
+                </a:tc>
+                <a:tc>
+                  <a:txBody>
+                    <a:bodyPr/>
+                    <a:lstStyle/>
+                    <a:p>
+                      <a:pPr algn="ctr"/>
+                      <a:r>
+                        <a:rPr lang="fr-FR" sz="700" dirty="0" smtClean="0"/>
+                        <a:t>Rabbit Hole</a:t>
+                      </a:r>
+                      <a:endParaRPr lang="fr-FR" sz="700" dirty="0"/>
+                    </a:p>
+                  </a:txBody>
+                  <a:tcPr/>
+                </a:tc>
+                <a:tc>
+                  <a:txBody>
+                    <a:bodyPr/>
+                    <a:lstStyle/>
+                    <a:p>
+                      <a:pPr algn="ctr"/>
+                      <a:r>
+                        <a:rPr lang="fr-FR" sz="700" dirty="0" smtClean="0"/>
+                        <a:t>Etat</a:t>
+                      </a:r>
+                      <a:endParaRPr lang="fr-FR" sz="700" dirty="0"/>
+                    </a:p>
+                  </a:txBody>
+                  <a:tcPr/>
+                </a:tc>
+                <a:tc>
+                  <a:txBody>
+                    <a:bodyPr/>
+                    <a:lstStyle/>
+                    <a:p>
+                      <a:pPr algn="ctr"/>
+                      <a:r>
+                        <a:rPr lang="fr-FR" sz="700" dirty="0" smtClean="0"/>
+                        <a:t>Propriétaire</a:t>
+                      </a:r>
+                    </a:p>
+                  </a:txBody>
+                  <a:tcPr/>
+                </a:tc>
+                <a:extLst>
+                  <a:ext uri="{0D108BD9-81ED-4DB2-BD59-A6C34878D82A}">
+                    <a16:rowId xmlns:a16="http://schemas.microsoft.com/office/drawing/2014/main" val="2501102211"/>
+                  </a:ext>
+                </a:extLst>
+              </a:tr>
+            </a:tbl>
+          </a:graphicData>
+        </a:graphic>
+      </p:graphicFrame>
+      <p:sp>
+        <p:nvSpPr>
+          <p:cNvPr id="10" name="Rectangle 9"/>
+          <p:cNvSpPr/>
+          <p:nvPr/>
+        </p:nvSpPr>
+        <p:spPr>
+          <a:xfrm>
+            <a:off x="1717590" y="1700436"/>
+            <a:ext cx="3534030" cy="1079834"/>
+          </a:xfrm>
+          <a:prstGeom prst="rect">
+            <a:avLst/>
+          </a:prstGeom>
+          <a:noFill/>
+        </p:spPr>
+        <p:style>
+          <a:lnRef idx="2">
+            <a:schemeClr val="accent1">
+              <a:shade val="50000"/>
+            </a:schemeClr>
+          </a:lnRef>
+          <a:fillRef idx="1">
+            <a:schemeClr val="accent1"/>
+          </a:fillRef>
+          <a:effectRef idx="0">
+            <a:schemeClr val="accent1"/>
+          </a:effectRef>
+          <a:fontRef idx="minor">
+            <a:schemeClr val="lt1"/>
+          </a:fontRef>
+        </p:style>
+        <p:txBody>
+          <a:bodyPr rtlCol="0" anchor="ctr"/>
+          <a:lstStyle/>
+          <a:p>
+            <a:pPr algn="ctr"/>
+            <a:r>
+              <a:rPr lang="fr-FR" sz="800" dirty="0" smtClean="0">
+                <a:solidFill>
+                  <a:schemeClr val="tx1"/>
+                </a:solidFill>
+              </a:rPr>
+              <a:t>Filtre de recherche</a:t>
+            </a:r>
+          </a:p>
+          <a:p>
+            <a:pPr algn="ctr"/>
+            <a:endParaRPr lang="fr-FR" sz="800" dirty="0">
+              <a:solidFill>
+                <a:schemeClr val="tx1"/>
+              </a:solidFill>
+            </a:endParaRPr>
+          </a:p>
+          <a:p>
+            <a:pPr algn="ctr"/>
+            <a:endParaRPr lang="fr-FR" sz="800" dirty="0" smtClean="0">
+              <a:solidFill>
+                <a:schemeClr val="tx1"/>
+              </a:solidFill>
+            </a:endParaRPr>
+          </a:p>
+          <a:p>
+            <a:pPr algn="ctr"/>
+            <a:endParaRPr lang="fr-FR" sz="800" dirty="0">
+              <a:solidFill>
+                <a:schemeClr val="tx1"/>
+              </a:solidFill>
+            </a:endParaRPr>
+          </a:p>
+          <a:p>
+            <a:pPr algn="ctr"/>
+            <a:endParaRPr lang="fr-FR" sz="800" dirty="0" smtClean="0">
+              <a:solidFill>
+                <a:schemeClr val="tx1"/>
+              </a:solidFill>
+            </a:endParaRPr>
+          </a:p>
+          <a:p>
+            <a:pPr algn="ctr"/>
+            <a:endParaRPr lang="fr-FR" sz="800" dirty="0">
+              <a:solidFill>
+                <a:schemeClr val="tx1"/>
+              </a:solidFill>
+            </a:endParaRPr>
+          </a:p>
+          <a:p>
+            <a:pPr algn="ctr"/>
+            <a:endParaRPr lang="fr-FR" sz="800" dirty="0" smtClean="0">
+              <a:solidFill>
+                <a:schemeClr val="tx1"/>
+              </a:solidFill>
+            </a:endParaRPr>
+          </a:p>
+          <a:p>
+            <a:pPr algn="ctr"/>
+            <a:endParaRPr lang="fr-FR" sz="800" dirty="0">
+              <a:solidFill>
+                <a:schemeClr val="tx1"/>
+              </a:solidFill>
+            </a:endParaRPr>
+          </a:p>
+        </p:txBody>
+      </p:sp>
+      <p:graphicFrame>
+        <p:nvGraphicFramePr>
+          <p:cNvPr id="11" name="Tableau 10"/>
+          <p:cNvGraphicFramePr>
+            <a:graphicFrameLocks noGrp="1"/>
+          </p:cNvGraphicFramePr>
+          <p:nvPr>
+            <p:extLst>
+              <p:ext uri="{D42A27DB-BD31-4B8C-83A1-F6EECF244321}">
+                <p14:modId xmlns:p14="http://schemas.microsoft.com/office/powerpoint/2010/main" val="2432988092"/>
+              </p:ext>
+            </p:extLst>
+          </p:nvPr>
+        </p:nvGraphicFramePr>
+        <p:xfrm>
+          <a:off x="1890584" y="2025269"/>
+          <a:ext cx="3212754" cy="594360"/>
+        </p:xfrm>
+        <a:graphic>
+          <a:graphicData uri="http://schemas.openxmlformats.org/drawingml/2006/table">
+            <a:tbl>
+              <a:tblPr firstRow="1" bandRow="1">
+                <a:tableStyleId>{5940675A-B579-460E-94D1-54222C63F5DA}</a:tableStyleId>
+              </a:tblPr>
+              <a:tblGrid>
+                <a:gridCol w="1070918">
+                  <a:extLst>
+                    <a:ext uri="{9D8B030D-6E8A-4147-A177-3AD203B41FA5}">
+                      <a16:colId xmlns:a16="http://schemas.microsoft.com/office/drawing/2014/main" val="4149778528"/>
+                    </a:ext>
+                  </a:extLst>
+                </a:gridCol>
+                <a:gridCol w="1070918">
+                  <a:extLst>
+                    <a:ext uri="{9D8B030D-6E8A-4147-A177-3AD203B41FA5}">
+                      <a16:colId xmlns:a16="http://schemas.microsoft.com/office/drawing/2014/main" val="198883837"/>
+                    </a:ext>
+                  </a:extLst>
+                </a:gridCol>
+                <a:gridCol w="1070918">
+                  <a:extLst>
+                    <a:ext uri="{9D8B030D-6E8A-4147-A177-3AD203B41FA5}">
+                      <a16:colId xmlns:a16="http://schemas.microsoft.com/office/drawing/2014/main" val="30893036"/>
+                    </a:ext>
+                  </a:extLst>
+                </a:gridCol>
+              </a:tblGrid>
+              <a:tr h="180000">
+                <a:tc>
+                  <a:txBody>
+                    <a:bodyPr/>
+                    <a:lstStyle/>
+                    <a:p>
+                      <a:endParaRPr lang="fr-FR" sz="700" dirty="0"/>
+                    </a:p>
+                  </a:txBody>
+                  <a:tcPr/>
+                </a:tc>
+                <a:tc>
+                  <a:txBody>
+                    <a:bodyPr/>
+                    <a:lstStyle/>
+                    <a:p>
+                      <a:endParaRPr lang="fr-FR" sz="700"/>
+                    </a:p>
+                  </a:txBody>
+                  <a:tcPr/>
+                </a:tc>
+                <a:tc>
+                  <a:txBody>
+                    <a:bodyPr/>
+                    <a:lstStyle/>
+                    <a:p>
+                      <a:endParaRPr lang="fr-FR" sz="700" dirty="0"/>
+                    </a:p>
+                  </a:txBody>
+                  <a:tcPr/>
+                </a:tc>
+                <a:extLst>
+                  <a:ext uri="{0D108BD9-81ED-4DB2-BD59-A6C34878D82A}">
+                    <a16:rowId xmlns:a16="http://schemas.microsoft.com/office/drawing/2014/main" val="2381639918"/>
+                  </a:ext>
+                </a:extLst>
+              </a:tr>
+              <a:tr h="180000">
+                <a:tc>
+                  <a:txBody>
+                    <a:bodyPr/>
+                    <a:lstStyle/>
+                    <a:p>
+                      <a:endParaRPr lang="fr-FR" sz="700"/>
+                    </a:p>
+                  </a:txBody>
+                  <a:tcPr/>
+                </a:tc>
+                <a:tc>
+                  <a:txBody>
+                    <a:bodyPr/>
+                    <a:lstStyle/>
+                    <a:p>
+                      <a:endParaRPr lang="fr-FR" sz="700"/>
+                    </a:p>
+                  </a:txBody>
+                  <a:tcPr/>
+                </a:tc>
+                <a:tc>
+                  <a:txBody>
+                    <a:bodyPr/>
+                    <a:lstStyle/>
+                    <a:p>
+                      <a:endParaRPr lang="fr-FR" sz="700" dirty="0"/>
+                    </a:p>
+                  </a:txBody>
+                  <a:tcPr/>
+                </a:tc>
+                <a:extLst>
+                  <a:ext uri="{0D108BD9-81ED-4DB2-BD59-A6C34878D82A}">
+                    <a16:rowId xmlns:a16="http://schemas.microsoft.com/office/drawing/2014/main" val="2761106818"/>
+                  </a:ext>
+                </a:extLst>
+              </a:tr>
+              <a:tr h="180000">
+                <a:tc>
+                  <a:txBody>
+                    <a:bodyPr/>
+                    <a:lstStyle/>
+                    <a:p>
+                      <a:endParaRPr lang="fr-FR" sz="700"/>
+                    </a:p>
+                  </a:txBody>
+                  <a:tcPr/>
+                </a:tc>
+                <a:tc>
+                  <a:txBody>
+                    <a:bodyPr/>
+                    <a:lstStyle/>
+                    <a:p>
+                      <a:endParaRPr lang="fr-FR" sz="700"/>
+                    </a:p>
+                  </a:txBody>
+                  <a:tcPr/>
+                </a:tc>
+                <a:tc>
+                  <a:txBody>
+                    <a:bodyPr/>
+                    <a:lstStyle/>
+                    <a:p>
+                      <a:endParaRPr lang="fr-FR" sz="700" dirty="0"/>
+                    </a:p>
+                  </a:txBody>
+                  <a:tcPr/>
+                </a:tc>
+                <a:extLst>
+                  <a:ext uri="{0D108BD9-81ED-4DB2-BD59-A6C34878D82A}">
+                    <a16:rowId xmlns:a16="http://schemas.microsoft.com/office/drawing/2014/main" val="66057290"/>
+                  </a:ext>
+                </a:extLst>
+              </a:tr>
+            </a:tbl>
+          </a:graphicData>
+        </a:graphic>
+      </p:graphicFrame>
+      <p:cxnSp>
+        <p:nvCxnSpPr>
+          <p:cNvPr id="12" name="Connecteur droit 11"/>
+          <p:cNvCxnSpPr/>
+          <p:nvPr/>
+        </p:nvCxnSpPr>
+        <p:spPr>
+          <a:xfrm>
+            <a:off x="1890583" y="1313597"/>
+            <a:ext cx="3212757" cy="0"/>
+          </a:xfrm>
+          <a:prstGeom prst="line">
+            <a:avLst/>
+          </a:prstGeom>
+          <a:ln>
+            <a:solidFill>
+              <a:schemeClr val="bg1">
+                <a:lumMod val="85000"/>
+              </a:schemeClr>
+            </a:solidFill>
+          </a:ln>
+        </p:spPr>
+        <p:style>
+          <a:lnRef idx="1">
+            <a:schemeClr val="dk1"/>
+          </a:lnRef>
+          <a:fillRef idx="0">
+            <a:schemeClr val="dk1"/>
+          </a:fillRef>
+          <a:effectRef idx="0">
+            <a:schemeClr val="dk1"/>
+          </a:effectRef>
+          <a:fontRef idx="minor">
+            <a:schemeClr val="tx1"/>
+          </a:fontRef>
+        </p:style>
+      </p:cxnSp>
+      <p:sp>
+        <p:nvSpPr>
+          <p:cNvPr id="13" name="Rectangle à coins arrondis 12"/>
+          <p:cNvSpPr/>
+          <p:nvPr/>
+        </p:nvSpPr>
+        <p:spPr>
+          <a:xfrm>
+            <a:off x="2850781" y="3167284"/>
+            <a:ext cx="707963" cy="287748"/>
+          </a:xfrm>
+          <a:prstGeom prst="roundRect">
+            <a:avLst/>
+          </a:prstGeom>
+          <a:solidFill>
+            <a:schemeClr val="bg1">
+              <a:lumMod val="95000"/>
+            </a:schemeClr>
+          </a:solidFill>
+        </p:spPr>
+        <p:style>
+          <a:lnRef idx="2">
+            <a:schemeClr val="accent1">
+              <a:shade val="50000"/>
+            </a:schemeClr>
+          </a:lnRef>
+          <a:fillRef idx="1">
+            <a:schemeClr val="accent1"/>
+          </a:fillRef>
+          <a:effectRef idx="0">
+            <a:schemeClr val="accent1"/>
+          </a:effectRef>
+          <a:fontRef idx="minor">
+            <a:schemeClr val="lt1"/>
+          </a:fontRef>
+        </p:style>
+        <p:txBody>
+          <a:bodyPr rtlCol="0" anchor="ctr"/>
+          <a:lstStyle/>
+          <a:p>
+            <a:pPr algn="ctr"/>
+            <a:r>
+              <a:rPr lang="fr-FR" sz="700" dirty="0" smtClean="0">
+                <a:solidFill>
+                  <a:sysClr val="windowText" lastClr="000000"/>
+                </a:solidFill>
+              </a:rPr>
+              <a:t>Ajouter un terrain</a:t>
+            </a:r>
+            <a:endParaRPr lang="fr-FR" sz="700" dirty="0">
+              <a:solidFill>
+                <a:sysClr val="windowText" lastClr="000000"/>
+              </a:solidFill>
+            </a:endParaRPr>
+          </a:p>
+        </p:txBody>
+      </p:sp>
+      <p:sp>
+        <p:nvSpPr>
+          <p:cNvPr id="14" name="ZoneTexte 13"/>
+          <p:cNvSpPr txBox="1"/>
+          <p:nvPr/>
+        </p:nvSpPr>
+        <p:spPr>
+          <a:xfrm>
+            <a:off x="1705231" y="3188048"/>
+            <a:ext cx="1322175" cy="246221"/>
+          </a:xfrm>
+          <a:prstGeom prst="rect">
+            <a:avLst/>
+          </a:prstGeom>
+          <a:noFill/>
+        </p:spPr>
+        <p:txBody>
+          <a:bodyPr wrap="square" rtlCol="0">
+            <a:spAutoFit/>
+          </a:bodyPr>
+          <a:lstStyle/>
+          <a:p>
+            <a:r>
+              <a:rPr lang="fr-FR" sz="1000" dirty="0" smtClean="0"/>
+              <a:t>Ajouter un terrain : </a:t>
+            </a:r>
+            <a:endParaRPr lang="fr-FR" sz="1000" dirty="0"/>
+          </a:p>
+        </p:txBody>
+      </p:sp>
+      <p:sp>
+        <p:nvSpPr>
+          <p:cNvPr id="15" name="Rectangle à coins arrondis 14"/>
+          <p:cNvSpPr/>
+          <p:nvPr/>
+        </p:nvSpPr>
+        <p:spPr>
+          <a:xfrm>
+            <a:off x="3629255" y="3167284"/>
+            <a:ext cx="930385" cy="287748"/>
+          </a:xfrm>
+          <a:prstGeom prst="roundRect">
+            <a:avLst/>
+          </a:prstGeom>
+          <a:solidFill>
+            <a:schemeClr val="bg1">
+              <a:lumMod val="95000"/>
+            </a:schemeClr>
+          </a:solidFill>
+        </p:spPr>
+        <p:style>
+          <a:lnRef idx="2">
+            <a:schemeClr val="accent1">
+              <a:shade val="50000"/>
+            </a:schemeClr>
+          </a:lnRef>
+          <a:fillRef idx="1">
+            <a:schemeClr val="accent1"/>
+          </a:fillRef>
+          <a:effectRef idx="0">
+            <a:schemeClr val="accent1"/>
+          </a:effectRef>
+          <a:fontRef idx="minor">
+            <a:schemeClr val="lt1"/>
+          </a:fontRef>
+        </p:style>
+        <p:txBody>
+          <a:bodyPr rtlCol="0" anchor="ctr"/>
+          <a:lstStyle/>
+          <a:p>
+            <a:pPr algn="ctr"/>
+            <a:r>
+              <a:rPr lang="fr-FR" sz="700" dirty="0" smtClean="0">
+                <a:solidFill>
+                  <a:sysClr val="windowText" lastClr="000000"/>
+                </a:solidFill>
+              </a:rPr>
+              <a:t>Ajouter un groupe de </a:t>
+            </a:r>
+            <a:r>
+              <a:rPr lang="fr-FR" sz="700" dirty="0" smtClean="0">
+                <a:solidFill>
+                  <a:sysClr val="windowText" lastClr="000000"/>
+                </a:solidFill>
+              </a:rPr>
+              <a:t>terrains</a:t>
+            </a:r>
+            <a:endParaRPr lang="fr-FR" sz="700" dirty="0">
+              <a:solidFill>
+                <a:sysClr val="windowText" lastClr="000000"/>
+              </a:solidFill>
+            </a:endParaRPr>
+          </a:p>
+        </p:txBody>
+      </p:sp>
+      <p:sp>
+        <p:nvSpPr>
+          <p:cNvPr id="16" name="Rectangle à coins arrondis 15"/>
+          <p:cNvSpPr/>
+          <p:nvPr/>
+        </p:nvSpPr>
+        <p:spPr>
+          <a:xfrm>
+            <a:off x="4630155" y="3167284"/>
+            <a:ext cx="658534" cy="287748"/>
+          </a:xfrm>
+          <a:prstGeom prst="roundRect">
+            <a:avLst/>
+          </a:prstGeom>
+          <a:solidFill>
+            <a:schemeClr val="bg1">
+              <a:lumMod val="95000"/>
+            </a:schemeClr>
+          </a:solidFill>
+        </p:spPr>
+        <p:style>
+          <a:lnRef idx="2">
+            <a:schemeClr val="accent1">
+              <a:shade val="50000"/>
+            </a:schemeClr>
+          </a:lnRef>
+          <a:fillRef idx="1">
+            <a:schemeClr val="accent1"/>
+          </a:fillRef>
+          <a:effectRef idx="0">
+            <a:schemeClr val="accent1"/>
+          </a:effectRef>
+          <a:fontRef idx="minor">
+            <a:schemeClr val="lt1"/>
+          </a:fontRef>
+        </p:style>
+        <p:txBody>
+          <a:bodyPr rtlCol="0" anchor="ctr"/>
+          <a:lstStyle/>
+          <a:p>
+            <a:pPr algn="ctr"/>
+            <a:r>
+              <a:rPr lang="fr-FR" sz="700" dirty="0" smtClean="0">
+                <a:solidFill>
+                  <a:sysClr val="windowText" lastClr="000000"/>
+                </a:solidFill>
+              </a:rPr>
+              <a:t>Cloner un terrain</a:t>
+            </a:r>
+            <a:endParaRPr lang="fr-FR" sz="700" dirty="0">
+              <a:solidFill>
+                <a:sysClr val="windowText" lastClr="000000"/>
+              </a:solidFill>
+            </a:endParaRPr>
+          </a:p>
+        </p:txBody>
+      </p:sp>
+      <p:sp>
+        <p:nvSpPr>
+          <p:cNvPr id="17" name="Rectangle à coins arrondis 16"/>
+          <p:cNvSpPr/>
+          <p:nvPr/>
+        </p:nvSpPr>
+        <p:spPr>
+          <a:xfrm>
+            <a:off x="4205658" y="2056683"/>
+            <a:ext cx="707963" cy="119780"/>
+          </a:xfrm>
+          <a:prstGeom prst="roundRect">
+            <a:avLst/>
+          </a:prstGeom>
+          <a:solidFill>
+            <a:schemeClr val="bg1">
+              <a:lumMod val="95000"/>
+            </a:schemeClr>
+          </a:solidFill>
+        </p:spPr>
+        <p:style>
+          <a:lnRef idx="2">
+            <a:schemeClr val="accent1">
+              <a:shade val="50000"/>
+            </a:schemeClr>
+          </a:lnRef>
+          <a:fillRef idx="1">
+            <a:schemeClr val="accent1"/>
+          </a:fillRef>
+          <a:effectRef idx="0">
+            <a:schemeClr val="accent1"/>
+          </a:effectRef>
+          <a:fontRef idx="minor">
+            <a:schemeClr val="lt1"/>
+          </a:fontRef>
+        </p:style>
+        <p:txBody>
+          <a:bodyPr rtlCol="0" anchor="ctr"/>
+          <a:lstStyle/>
+          <a:p>
+            <a:pPr algn="ctr"/>
+            <a:r>
+              <a:rPr lang="fr-FR" sz="700" dirty="0" smtClean="0">
+                <a:solidFill>
+                  <a:sysClr val="windowText" lastClr="000000"/>
+                </a:solidFill>
+              </a:rPr>
+              <a:t>Modifier</a:t>
+            </a:r>
+            <a:endParaRPr lang="fr-FR" sz="700" dirty="0">
+              <a:solidFill>
+                <a:sysClr val="windowText" lastClr="000000"/>
+              </a:solidFill>
+            </a:endParaRPr>
+          </a:p>
+        </p:txBody>
+      </p:sp>
+      <p:sp>
+        <p:nvSpPr>
+          <p:cNvPr id="18" name="Rectangle à coins arrondis 17"/>
+          <p:cNvSpPr/>
+          <p:nvPr/>
+        </p:nvSpPr>
+        <p:spPr>
+          <a:xfrm>
+            <a:off x="4205658" y="2260572"/>
+            <a:ext cx="707963" cy="119780"/>
+          </a:xfrm>
+          <a:prstGeom prst="roundRect">
+            <a:avLst/>
+          </a:prstGeom>
+          <a:solidFill>
+            <a:schemeClr val="bg1">
+              <a:lumMod val="95000"/>
+            </a:schemeClr>
+          </a:solidFill>
+        </p:spPr>
+        <p:style>
+          <a:lnRef idx="2">
+            <a:schemeClr val="accent1">
+              <a:shade val="50000"/>
+            </a:schemeClr>
+          </a:lnRef>
+          <a:fillRef idx="1">
+            <a:schemeClr val="accent1"/>
+          </a:fillRef>
+          <a:effectRef idx="0">
+            <a:schemeClr val="accent1"/>
+          </a:effectRef>
+          <a:fontRef idx="minor">
+            <a:schemeClr val="lt1"/>
+          </a:fontRef>
+        </p:style>
+        <p:txBody>
+          <a:bodyPr rtlCol="0" anchor="ctr"/>
+          <a:lstStyle/>
+          <a:p>
+            <a:pPr algn="ctr"/>
+            <a:r>
+              <a:rPr lang="fr-FR" sz="700" dirty="0" smtClean="0">
+                <a:solidFill>
+                  <a:sysClr val="windowText" lastClr="000000"/>
+                </a:solidFill>
+              </a:rPr>
+              <a:t>Supprimer</a:t>
+            </a:r>
+          </a:p>
+        </p:txBody>
+      </p:sp>
+      <p:sp>
+        <p:nvSpPr>
+          <p:cNvPr id="19" name="Rectangle à coins arrondis 18"/>
+          <p:cNvSpPr/>
+          <p:nvPr/>
+        </p:nvSpPr>
+        <p:spPr>
+          <a:xfrm>
+            <a:off x="4205658" y="2452758"/>
+            <a:ext cx="707963" cy="119780"/>
+          </a:xfrm>
+          <a:prstGeom prst="roundRect">
+            <a:avLst/>
+          </a:prstGeom>
+          <a:solidFill>
+            <a:schemeClr val="bg1">
+              <a:lumMod val="95000"/>
+            </a:schemeClr>
+          </a:solidFill>
+        </p:spPr>
+        <p:style>
+          <a:lnRef idx="2">
+            <a:schemeClr val="accent1">
+              <a:shade val="50000"/>
+            </a:schemeClr>
+          </a:lnRef>
+          <a:fillRef idx="1">
+            <a:schemeClr val="accent1"/>
+          </a:fillRef>
+          <a:effectRef idx="0">
+            <a:schemeClr val="accent1"/>
+          </a:effectRef>
+          <a:fontRef idx="minor">
+            <a:schemeClr val="lt1"/>
+          </a:fontRef>
+        </p:style>
+        <p:txBody>
+          <a:bodyPr rtlCol="0" anchor="ctr"/>
+          <a:lstStyle/>
+          <a:p>
+            <a:pPr algn="ctr"/>
+            <a:r>
+              <a:rPr lang="fr-FR" sz="700" dirty="0" smtClean="0">
+                <a:solidFill>
+                  <a:sysClr val="windowText" lastClr="000000"/>
+                </a:solidFill>
+              </a:rPr>
+              <a:t>Détails</a:t>
+            </a:r>
+          </a:p>
+        </p:txBody>
+      </p:sp>
+      <p:cxnSp>
+        <p:nvCxnSpPr>
+          <p:cNvPr id="20" name="Connecteur droit 19"/>
+          <p:cNvCxnSpPr/>
+          <p:nvPr/>
+        </p:nvCxnSpPr>
+        <p:spPr>
+          <a:xfrm>
+            <a:off x="1890583" y="3698458"/>
+            <a:ext cx="3212757" cy="0"/>
+          </a:xfrm>
+          <a:prstGeom prst="line">
+            <a:avLst/>
+          </a:prstGeom>
+          <a:ln>
+            <a:solidFill>
+              <a:schemeClr val="bg1">
+                <a:lumMod val="85000"/>
+              </a:schemeClr>
+            </a:solidFill>
+          </a:ln>
+        </p:spPr>
+        <p:style>
+          <a:lnRef idx="1">
+            <a:schemeClr val="dk1"/>
+          </a:lnRef>
+          <a:fillRef idx="0">
+            <a:schemeClr val="dk1"/>
+          </a:fillRef>
+          <a:effectRef idx="0">
+            <a:schemeClr val="dk1"/>
+          </a:effectRef>
+          <a:fontRef idx="minor">
+            <a:schemeClr val="tx1"/>
+          </a:fontRef>
+        </p:style>
+      </p:cxnSp>
+      <p:sp>
+        <p:nvSpPr>
+          <p:cNvPr id="21" name="ZoneTexte 20"/>
+          <p:cNvSpPr txBox="1"/>
+          <p:nvPr/>
+        </p:nvSpPr>
+        <p:spPr>
+          <a:xfrm>
+            <a:off x="1705231" y="3886614"/>
+            <a:ext cx="1433385" cy="246221"/>
+          </a:xfrm>
+          <a:prstGeom prst="rect">
+            <a:avLst/>
+          </a:prstGeom>
+          <a:noFill/>
+        </p:spPr>
+        <p:txBody>
+          <a:bodyPr wrap="square" rtlCol="0">
+            <a:spAutoFit/>
+          </a:bodyPr>
+          <a:lstStyle/>
+          <a:p>
+            <a:r>
+              <a:rPr lang="fr-FR" sz="1000" dirty="0" smtClean="0"/>
+              <a:t>Synthèse des terrains </a:t>
+            </a:r>
+            <a:r>
+              <a:rPr lang="fr-FR" sz="1000" dirty="0" smtClean="0"/>
+              <a:t>: </a:t>
+            </a:r>
+            <a:endParaRPr lang="fr-FR" sz="1000" dirty="0"/>
+          </a:p>
+        </p:txBody>
+      </p:sp>
+      <p:graphicFrame>
+        <p:nvGraphicFramePr>
+          <p:cNvPr id="22" name="Tableau 21"/>
+          <p:cNvGraphicFramePr>
+            <a:graphicFrameLocks noGrp="1"/>
+          </p:cNvGraphicFramePr>
+          <p:nvPr>
+            <p:extLst>
+              <p:ext uri="{D42A27DB-BD31-4B8C-83A1-F6EECF244321}">
+                <p14:modId xmlns:p14="http://schemas.microsoft.com/office/powerpoint/2010/main" val="2340965223"/>
+              </p:ext>
+            </p:extLst>
+          </p:nvPr>
+        </p:nvGraphicFramePr>
+        <p:xfrm>
+          <a:off x="1890584" y="4227866"/>
+          <a:ext cx="3361036" cy="792480"/>
+        </p:xfrm>
+        <a:graphic>
+          <a:graphicData uri="http://schemas.openxmlformats.org/drawingml/2006/table">
+            <a:tbl>
+              <a:tblPr firstRow="1" bandRow="1">
+                <a:tableStyleId>{5940675A-B579-460E-94D1-54222C63F5DA}</a:tableStyleId>
+              </a:tblPr>
+              <a:tblGrid>
+                <a:gridCol w="1680518">
+                  <a:extLst>
+                    <a:ext uri="{9D8B030D-6E8A-4147-A177-3AD203B41FA5}">
+                      <a16:colId xmlns:a16="http://schemas.microsoft.com/office/drawing/2014/main" val="4149778528"/>
+                    </a:ext>
+                  </a:extLst>
+                </a:gridCol>
+                <a:gridCol w="1680518">
+                  <a:extLst>
+                    <a:ext uri="{9D8B030D-6E8A-4147-A177-3AD203B41FA5}">
+                      <a16:colId xmlns:a16="http://schemas.microsoft.com/office/drawing/2014/main" val="3708375136"/>
+                    </a:ext>
+                  </a:extLst>
+                </a:gridCol>
+              </a:tblGrid>
+              <a:tr h="180000">
+                <a:tc gridSpan="2">
+                  <a:txBody>
+                    <a:bodyPr/>
+                    <a:lstStyle/>
+                    <a:p>
+                      <a:r>
+                        <a:rPr lang="fr-FR" sz="700" dirty="0" smtClean="0"/>
+                        <a:t>Total</a:t>
+                      </a:r>
+                      <a:r>
+                        <a:rPr lang="fr-FR" sz="700" baseline="0" dirty="0" smtClean="0"/>
+                        <a:t> des terrains : &lt;total terrain&gt;</a:t>
+                      </a:r>
+                      <a:endParaRPr lang="fr-FR" sz="700" dirty="0"/>
+                    </a:p>
+                  </a:txBody>
+                  <a:tcPr/>
+                </a:tc>
+                <a:tc hMerge="1">
+                  <a:txBody>
+                    <a:bodyPr/>
+                    <a:lstStyle/>
+                    <a:p>
+                      <a:endParaRPr lang="fr-FR"/>
+                    </a:p>
+                  </a:txBody>
+                  <a:tcPr/>
+                </a:tc>
+                <a:extLst>
+                  <a:ext uri="{0D108BD9-81ED-4DB2-BD59-A6C34878D82A}">
+                    <a16:rowId xmlns:a16="http://schemas.microsoft.com/office/drawing/2014/main" val="2381639918"/>
+                  </a:ext>
+                </a:extLst>
+              </a:tr>
+              <a:tr h="180000">
+                <a:tc>
+                  <a:txBody>
+                    <a:bodyPr/>
+                    <a:lstStyle/>
+                    <a:p>
+                      <a:r>
+                        <a:rPr lang="fr-FR" sz="600" dirty="0" smtClean="0"/>
+                        <a:t>Total des terrains communautaires : &lt;</a:t>
+                      </a:r>
+                      <a:r>
+                        <a:rPr lang="fr-FR" sz="600" dirty="0" err="1" smtClean="0"/>
+                        <a:t>ttlc</a:t>
+                      </a:r>
+                      <a:r>
+                        <a:rPr lang="fr-FR" sz="600" dirty="0" smtClean="0"/>
+                        <a:t>&gt;</a:t>
+                      </a:r>
+                      <a:endParaRPr lang="fr-FR" sz="600" dirty="0"/>
+                    </a:p>
+                  </a:txBody>
+                  <a:tcPr/>
+                </a:tc>
+                <a:tc>
+                  <a:txBody>
+                    <a:bodyPr/>
+                    <a:lstStyle/>
+                    <a:p>
+                      <a:r>
+                        <a:rPr lang="fr-FR" sz="700" dirty="0" smtClean="0"/>
+                        <a:t>Total</a:t>
+                      </a:r>
+                      <a:r>
+                        <a:rPr lang="fr-FR" sz="700" baseline="0" dirty="0" smtClean="0"/>
+                        <a:t> des terrains privés : &lt;</a:t>
+                      </a:r>
+                      <a:r>
+                        <a:rPr lang="fr-FR" sz="700" baseline="0" dirty="0" err="1" smtClean="0"/>
+                        <a:t>ttl</a:t>
+                      </a:r>
+                      <a:r>
+                        <a:rPr lang="fr-FR" sz="700" baseline="0" dirty="0" smtClean="0"/>
+                        <a:t>&gt;</a:t>
+                      </a:r>
+                      <a:endParaRPr lang="fr-FR" sz="700" dirty="0"/>
+                    </a:p>
+                  </a:txBody>
+                  <a:tcPr/>
+                </a:tc>
+                <a:extLst>
+                  <a:ext uri="{0D108BD9-81ED-4DB2-BD59-A6C34878D82A}">
+                    <a16:rowId xmlns:a16="http://schemas.microsoft.com/office/drawing/2014/main" val="2761106818"/>
+                  </a:ext>
+                </a:extLst>
+              </a:tr>
+              <a:tr h="180000">
+                <a:tc>
+                  <a:txBody>
+                    <a:bodyPr/>
+                    <a:lstStyle/>
+                    <a:p>
+                      <a:r>
+                        <a:rPr lang="fr-FR" sz="700" dirty="0" smtClean="0"/>
+                        <a:t>Terrains placés : &lt;</a:t>
+                      </a:r>
+                      <a:r>
+                        <a:rPr lang="fr-FR" sz="700" dirty="0" err="1" smtClean="0"/>
+                        <a:t>ttl</a:t>
+                      </a:r>
+                      <a:r>
+                        <a:rPr lang="fr-FR" sz="700" dirty="0" smtClean="0"/>
+                        <a:t>&gt;</a:t>
+                      </a:r>
+                      <a:endParaRPr lang="fr-FR" sz="700" dirty="0"/>
+                    </a:p>
+                  </a:txBody>
+                  <a:tcPr/>
+                </a:tc>
+                <a:tc>
+                  <a:txBody>
+                    <a:bodyPr/>
+                    <a:lstStyle/>
+                    <a:p>
+                      <a:r>
+                        <a:rPr lang="fr-FR" sz="700" dirty="0" smtClean="0"/>
+                        <a:t>Terrains</a:t>
+                      </a:r>
+                      <a:r>
+                        <a:rPr lang="fr-FR" sz="700" baseline="0" dirty="0" smtClean="0"/>
+                        <a:t> construits : &lt;</a:t>
+                      </a:r>
+                      <a:r>
+                        <a:rPr lang="fr-FR" sz="700" baseline="0" dirty="0" err="1" smtClean="0"/>
+                        <a:t>ttl</a:t>
+                      </a:r>
+                      <a:r>
+                        <a:rPr lang="fr-FR" sz="700" baseline="0" dirty="0" smtClean="0"/>
+                        <a:t>&gt;</a:t>
+                      </a:r>
+                      <a:endParaRPr lang="fr-FR" sz="700" dirty="0"/>
+                    </a:p>
+                  </a:txBody>
+                  <a:tcPr/>
+                </a:tc>
+                <a:extLst>
+                  <a:ext uri="{0D108BD9-81ED-4DB2-BD59-A6C34878D82A}">
+                    <a16:rowId xmlns:a16="http://schemas.microsoft.com/office/drawing/2014/main" val="66057290"/>
+                  </a:ext>
+                </a:extLst>
+              </a:tr>
+              <a:tr h="180000">
+                <a:tc gridSpan="2">
+                  <a:txBody>
+                    <a:bodyPr/>
+                    <a:lstStyle/>
+                    <a:p>
+                      <a:r>
+                        <a:rPr lang="fr-FR" sz="700" dirty="0" smtClean="0"/>
+                        <a:t>……</a:t>
+                      </a:r>
+                      <a:endParaRPr lang="fr-FR" sz="700" dirty="0"/>
+                    </a:p>
+                  </a:txBody>
+                  <a:tcPr/>
+                </a:tc>
+                <a:tc hMerge="1">
+                  <a:txBody>
+                    <a:bodyPr/>
+                    <a:lstStyle/>
+                    <a:p>
+                      <a:endParaRPr lang="fr-FR" sz="700" dirty="0"/>
+                    </a:p>
+                  </a:txBody>
+                  <a:tcPr/>
+                </a:tc>
+                <a:extLst>
+                  <a:ext uri="{0D108BD9-81ED-4DB2-BD59-A6C34878D82A}">
+                    <a16:rowId xmlns:a16="http://schemas.microsoft.com/office/drawing/2014/main" val="1508942262"/>
+                  </a:ext>
+                </a:extLst>
+              </a:tr>
+            </a:tbl>
+          </a:graphicData>
+        </a:graphic>
+      </p:graphicFrame>
+      <p:sp>
+        <p:nvSpPr>
+          <p:cNvPr id="23" name="Rectangle à coins arrondis 22"/>
+          <p:cNvSpPr/>
+          <p:nvPr/>
+        </p:nvSpPr>
+        <p:spPr>
+          <a:xfrm>
+            <a:off x="3052115" y="2063237"/>
+            <a:ext cx="889692" cy="113226"/>
+          </a:xfrm>
+          <a:prstGeom prst="roundRect">
+            <a:avLst/>
+          </a:prstGeom>
+          <a:solidFill>
+            <a:schemeClr val="bg1">
+              <a:lumMod val="95000"/>
+            </a:schemeClr>
+          </a:solidFill>
+        </p:spPr>
+        <p:style>
+          <a:lnRef idx="2">
+            <a:schemeClr val="accent1">
+              <a:shade val="50000"/>
+            </a:schemeClr>
+          </a:lnRef>
+          <a:fillRef idx="1">
+            <a:schemeClr val="accent1"/>
+          </a:fillRef>
+          <a:effectRef idx="0">
+            <a:schemeClr val="accent1"/>
+          </a:effectRef>
+          <a:fontRef idx="minor">
+            <a:schemeClr val="lt1"/>
+          </a:fontRef>
+        </p:style>
+        <p:txBody>
+          <a:bodyPr rtlCol="0" anchor="ctr"/>
+          <a:lstStyle/>
+          <a:p>
+            <a:pPr algn="ctr"/>
+            <a:r>
+              <a:rPr lang="fr-FR" sz="700" dirty="0" smtClean="0">
+                <a:solidFill>
+                  <a:sysClr val="windowText" lastClr="000000"/>
+                </a:solidFill>
+              </a:rPr>
+              <a:t>Modifier groupe</a:t>
+            </a:r>
+            <a:endParaRPr lang="fr-FR" sz="700" dirty="0">
+              <a:solidFill>
+                <a:sysClr val="windowText" lastClr="000000"/>
+              </a:solidFill>
+            </a:endParaRPr>
+          </a:p>
+        </p:txBody>
+      </p:sp>
     </p:spTree>
     <p:extLst>
       <p:ext uri="{BB962C8B-B14F-4D97-AF65-F5344CB8AC3E}">
@@ -4168,6 +5493,431 @@
         </p:nvSpPr>
         <p:spPr>
           <a:xfrm>
+            <a:off x="2423886" y="1036597"/>
+            <a:ext cx="2121440" cy="276999"/>
+          </a:xfrm>
+          <a:prstGeom prst="rect">
+            <a:avLst/>
+          </a:prstGeom>
+          <a:noFill/>
+          <a:ln>
+            <a:noFill/>
+          </a:ln>
+        </p:spPr>
+        <p:txBody>
+          <a:bodyPr wrap="square" rtlCol="0">
+            <a:spAutoFit/>
+          </a:bodyPr>
+          <a:lstStyle/>
+          <a:p>
+            <a:pPr algn="ctr"/>
+            <a:r>
+              <a:rPr lang="fr-FR" sz="1200" dirty="0" smtClean="0"/>
+              <a:t>AJOUTER UN TERRAIN</a:t>
+            </a:r>
+            <a:endParaRPr lang="fr-FR" sz="1200" dirty="0"/>
+          </a:p>
+        </p:txBody>
+      </p:sp>
+      <p:cxnSp>
+        <p:nvCxnSpPr>
+          <p:cNvPr id="9" name="Connecteur droit 8"/>
+          <p:cNvCxnSpPr/>
+          <p:nvPr/>
+        </p:nvCxnSpPr>
+        <p:spPr>
+          <a:xfrm>
+            <a:off x="1890583" y="1313597"/>
+            <a:ext cx="3212757" cy="0"/>
+          </a:xfrm>
+          <a:prstGeom prst="line">
+            <a:avLst/>
+          </a:prstGeom>
+          <a:ln>
+            <a:solidFill>
+              <a:schemeClr val="bg1">
+                <a:lumMod val="85000"/>
+              </a:schemeClr>
+            </a:solidFill>
+          </a:ln>
+        </p:spPr>
+        <p:style>
+          <a:lnRef idx="1">
+            <a:schemeClr val="dk1"/>
+          </a:lnRef>
+          <a:fillRef idx="0">
+            <a:schemeClr val="dk1"/>
+          </a:fillRef>
+          <a:effectRef idx="0">
+            <a:schemeClr val="dk1"/>
+          </a:effectRef>
+          <a:fontRef idx="minor">
+            <a:schemeClr val="tx1"/>
+          </a:fontRef>
+        </p:style>
+      </p:cxnSp>
+      <p:graphicFrame>
+        <p:nvGraphicFramePr>
+          <p:cNvPr id="8" name="Tableau 7"/>
+          <p:cNvGraphicFramePr>
+            <a:graphicFrameLocks noGrp="1"/>
+          </p:cNvGraphicFramePr>
+          <p:nvPr>
+            <p:extLst>
+              <p:ext uri="{D42A27DB-BD31-4B8C-83A1-F6EECF244321}">
+                <p14:modId xmlns:p14="http://schemas.microsoft.com/office/powerpoint/2010/main" val="1578854517"/>
+              </p:ext>
+            </p:extLst>
+          </p:nvPr>
+        </p:nvGraphicFramePr>
+        <p:xfrm>
+          <a:off x="1727200" y="1515016"/>
+          <a:ext cx="1625600" cy="216000"/>
+        </p:xfrm>
+        <a:graphic>
+          <a:graphicData uri="http://schemas.openxmlformats.org/drawingml/2006/table">
+            <a:tbl>
+              <a:tblPr firstRow="1" bandRow="1">
+                <a:tableStyleId>{5940675A-B579-460E-94D1-54222C63F5DA}</a:tableStyleId>
+              </a:tblPr>
+              <a:tblGrid>
+                <a:gridCol w="812800">
+                  <a:extLst>
+                    <a:ext uri="{9D8B030D-6E8A-4147-A177-3AD203B41FA5}">
+                      <a16:colId xmlns:a16="http://schemas.microsoft.com/office/drawing/2014/main" val="2870765883"/>
+                    </a:ext>
+                  </a:extLst>
+                </a:gridCol>
+                <a:gridCol w="812800">
+                  <a:extLst>
+                    <a:ext uri="{9D8B030D-6E8A-4147-A177-3AD203B41FA5}">
+                      <a16:colId xmlns:a16="http://schemas.microsoft.com/office/drawing/2014/main" val="3670394519"/>
+                    </a:ext>
+                  </a:extLst>
+                </a:gridCol>
+              </a:tblGrid>
+              <a:tr h="216000">
+                <a:tc>
+                  <a:txBody>
+                    <a:bodyPr/>
+                    <a:lstStyle/>
+                    <a:p>
+                      <a:pPr algn="ctr"/>
+                      <a:r>
+                        <a:rPr lang="fr-FR" sz="700" dirty="0" smtClean="0"/>
+                        <a:t>Communautaire</a:t>
+                      </a:r>
+                      <a:endParaRPr lang="fr-FR" sz="700" dirty="0"/>
+                    </a:p>
+                  </a:txBody>
+                  <a:tcPr/>
+                </a:tc>
+                <a:tc>
+                  <a:txBody>
+                    <a:bodyPr/>
+                    <a:lstStyle/>
+                    <a:p>
+                      <a:pPr algn="ctr"/>
+                      <a:endParaRPr lang="fr-FR" sz="700" dirty="0"/>
+                    </a:p>
+                  </a:txBody>
+                  <a:tcPr/>
+                </a:tc>
+                <a:extLst>
+                  <a:ext uri="{0D108BD9-81ED-4DB2-BD59-A6C34878D82A}">
+                    <a16:rowId xmlns:a16="http://schemas.microsoft.com/office/drawing/2014/main" val="2950516704"/>
+                  </a:ext>
+                </a:extLst>
+              </a:tr>
+            </a:tbl>
+          </a:graphicData>
+        </a:graphic>
+      </p:graphicFrame>
+    </p:spTree>
+    <p:extLst>
+      <p:ext uri="{BB962C8B-B14F-4D97-AF65-F5344CB8AC3E}">
+        <p14:creationId xmlns:p14="http://schemas.microsoft.com/office/powerpoint/2010/main" val="1944218049"/>
+      </p:ext>
+    </p:extLst>
+  </p:cSld>
+  <p:clrMapOvr>
+    <a:masterClrMapping/>
+  </p:clrMapOvr>
+</p:sld>
+</file>
+
+<file path=ppt/slides/slide5.xml><?xml version="1.0" encoding="utf-8"?>
+<p:sld xmlns:a="http://schemas.openxmlformats.org/drawingml/2006/main" xmlns:r="http://schemas.openxmlformats.org/officeDocument/2006/relationships" xmlns:p="http://schemas.openxmlformats.org/presentationml/2006/main">
+  <p:cSld>
+    <p:spTree>
+      <p:nvGrpSpPr>
+        <p:cNvPr id="1" name=""/>
+        <p:cNvGrpSpPr/>
+        <p:nvPr/>
+      </p:nvGrpSpPr>
+      <p:grpSpPr>
+        <a:xfrm>
+          <a:off x="0" y="0"/>
+          <a:ext cx="0" cy="0"/>
+          <a:chOff x="0" y="0"/>
+          <a:chExt cx="0" cy="0"/>
+        </a:xfrm>
+      </p:grpSpPr>
+      <p:sp>
+        <p:nvSpPr>
+          <p:cNvPr id="4" name="Rectangle 3"/>
+          <p:cNvSpPr/>
+          <p:nvPr/>
+        </p:nvSpPr>
+        <p:spPr>
+          <a:xfrm>
+            <a:off x="1322173" y="383059"/>
+            <a:ext cx="4324865" cy="6104238"/>
+          </a:xfrm>
+          <a:prstGeom prst="rect">
+            <a:avLst/>
+          </a:prstGeom>
+          <a:solidFill>
+            <a:schemeClr val="bg1">
+              <a:lumMod val="65000"/>
+            </a:schemeClr>
+          </a:solidFill>
+        </p:spPr>
+        <p:style>
+          <a:lnRef idx="2">
+            <a:schemeClr val="accent1">
+              <a:shade val="50000"/>
+            </a:schemeClr>
+          </a:lnRef>
+          <a:fillRef idx="1">
+            <a:schemeClr val="accent1"/>
+          </a:fillRef>
+          <a:effectRef idx="0">
+            <a:schemeClr val="accent1"/>
+          </a:effectRef>
+          <a:fontRef idx="minor">
+            <a:schemeClr val="lt1"/>
+          </a:fontRef>
+        </p:style>
+        <p:txBody>
+          <a:bodyPr rtlCol="0" anchor="ctr"/>
+          <a:lstStyle/>
+          <a:p>
+            <a:pPr algn="ctr"/>
+            <a:endParaRPr lang="fr-FR"/>
+          </a:p>
+        </p:txBody>
+      </p:sp>
+      <p:sp>
+        <p:nvSpPr>
+          <p:cNvPr id="2" name="Rectangle 1"/>
+          <p:cNvSpPr/>
+          <p:nvPr/>
+        </p:nvSpPr>
+        <p:spPr>
+          <a:xfrm>
+            <a:off x="1322173" y="383059"/>
+            <a:ext cx="4324865" cy="370703"/>
+          </a:xfrm>
+          <a:prstGeom prst="rect">
+            <a:avLst/>
+          </a:prstGeom>
+          <a:solidFill>
+            <a:schemeClr val="bg1"/>
+          </a:solidFill>
+        </p:spPr>
+        <p:style>
+          <a:lnRef idx="2">
+            <a:schemeClr val="accent1">
+              <a:shade val="50000"/>
+            </a:schemeClr>
+          </a:lnRef>
+          <a:fillRef idx="1">
+            <a:schemeClr val="accent1"/>
+          </a:fillRef>
+          <a:effectRef idx="0">
+            <a:schemeClr val="accent1"/>
+          </a:effectRef>
+          <a:fontRef idx="minor">
+            <a:schemeClr val="lt1"/>
+          </a:fontRef>
+        </p:style>
+        <p:txBody>
+          <a:bodyPr rtlCol="0" anchor="ctr"/>
+          <a:lstStyle/>
+          <a:p>
+            <a:pPr algn="ctr"/>
+            <a:r>
+              <a:rPr lang="fr-FR" dirty="0" smtClean="0">
+                <a:solidFill>
+                  <a:sysClr val="windowText" lastClr="000000"/>
+                </a:solidFill>
+              </a:rPr>
+              <a:t>NAV BAR</a:t>
+            </a:r>
+            <a:endParaRPr lang="fr-FR" dirty="0">
+              <a:solidFill>
+                <a:sysClr val="windowText" lastClr="000000"/>
+              </a:solidFill>
+            </a:endParaRPr>
+          </a:p>
+        </p:txBody>
+      </p:sp>
+      <p:sp>
+        <p:nvSpPr>
+          <p:cNvPr id="3" name="Rectangle 2"/>
+          <p:cNvSpPr/>
+          <p:nvPr/>
+        </p:nvSpPr>
+        <p:spPr>
+          <a:xfrm>
+            <a:off x="1495168" y="926757"/>
+            <a:ext cx="3978875" cy="5399902"/>
+          </a:xfrm>
+          <a:prstGeom prst="rect">
+            <a:avLst/>
+          </a:prstGeom>
+          <a:solidFill>
+            <a:schemeClr val="bg1"/>
+          </a:solidFill>
+        </p:spPr>
+        <p:style>
+          <a:lnRef idx="2">
+            <a:schemeClr val="accent1">
+              <a:shade val="50000"/>
+            </a:schemeClr>
+          </a:lnRef>
+          <a:fillRef idx="1">
+            <a:schemeClr val="accent1"/>
+          </a:fillRef>
+          <a:effectRef idx="0">
+            <a:schemeClr val="accent1"/>
+          </a:effectRef>
+          <a:fontRef idx="minor">
+            <a:schemeClr val="lt1"/>
+          </a:fontRef>
+        </p:style>
+        <p:txBody>
+          <a:bodyPr rtlCol="0" anchor="ctr"/>
+          <a:lstStyle/>
+          <a:p>
+            <a:pPr algn="ctr"/>
+            <a:endParaRPr lang="fr-FR"/>
+          </a:p>
+        </p:txBody>
+      </p:sp>
+      <p:sp>
+        <p:nvSpPr>
+          <p:cNvPr id="5" name="ZoneTexte 4"/>
+          <p:cNvSpPr txBox="1"/>
+          <p:nvPr/>
+        </p:nvSpPr>
+        <p:spPr>
+          <a:xfrm>
+            <a:off x="7327557" y="667265"/>
+            <a:ext cx="3484605" cy="369332"/>
+          </a:xfrm>
+          <a:prstGeom prst="rect">
+            <a:avLst/>
+          </a:prstGeom>
+          <a:noFill/>
+        </p:spPr>
+        <p:txBody>
+          <a:bodyPr wrap="square" rtlCol="0">
+            <a:spAutoFit/>
+          </a:bodyPr>
+          <a:lstStyle/>
+          <a:p>
+            <a:pPr algn="ctr"/>
+            <a:r>
+              <a:rPr lang="fr-FR" dirty="0" smtClean="0"/>
+              <a:t>PAGE</a:t>
+            </a:r>
+            <a:endParaRPr lang="fr-FR" dirty="0"/>
+          </a:p>
+        </p:txBody>
+      </p:sp>
+      <p:sp>
+        <p:nvSpPr>
+          <p:cNvPr id="6" name="ZoneTexte 5"/>
+          <p:cNvSpPr txBox="1"/>
+          <p:nvPr/>
+        </p:nvSpPr>
+        <p:spPr>
+          <a:xfrm>
+            <a:off x="6376086" y="1346886"/>
+            <a:ext cx="5066271" cy="2585323"/>
+          </a:xfrm>
+          <a:prstGeom prst="rect">
+            <a:avLst/>
+          </a:prstGeom>
+          <a:noFill/>
+        </p:spPr>
+        <p:txBody>
+          <a:bodyPr wrap="square" rtlCol="0">
+            <a:spAutoFit/>
+          </a:bodyPr>
+          <a:lstStyle/>
+          <a:p>
+            <a:r>
+              <a:rPr lang="fr-FR" dirty="0" smtClean="0"/>
+              <a:t>Chemin : </a:t>
+            </a:r>
+          </a:p>
+          <a:p>
+            <a:endParaRPr lang="fr-FR" dirty="0"/>
+          </a:p>
+          <a:p>
+            <a:r>
+              <a:rPr lang="fr-FR" dirty="0" smtClean="0"/>
+              <a:t>Description :</a:t>
+            </a:r>
+          </a:p>
+          <a:p>
+            <a:endParaRPr lang="fr-FR" dirty="0"/>
+          </a:p>
+          <a:p>
+            <a:r>
+              <a:rPr lang="fr-FR" dirty="0" smtClean="0"/>
+              <a:t>Eléments – Boutons</a:t>
+            </a:r>
+            <a:r>
+              <a:rPr lang="fr-FR" dirty="0"/>
+              <a:t> </a:t>
+            </a:r>
+            <a:r>
+              <a:rPr lang="fr-FR" dirty="0" smtClean="0"/>
+              <a:t>: </a:t>
+            </a:r>
+          </a:p>
+          <a:p>
+            <a:endParaRPr lang="fr-FR" dirty="0" smtClean="0"/>
+          </a:p>
+          <a:p>
+            <a:r>
+              <a:rPr lang="fr-FR" dirty="0" smtClean="0"/>
+              <a:t>Actions : </a:t>
+            </a:r>
+          </a:p>
+          <a:p>
+            <a:endParaRPr lang="fr-FR" dirty="0"/>
+          </a:p>
+          <a:p>
+            <a:r>
+              <a:rPr lang="fr-FR" dirty="0" smtClean="0"/>
+              <a:t>Accessible par : </a:t>
+            </a:r>
+          </a:p>
+        </p:txBody>
+      </p:sp>
+      <p:sp>
+        <p:nvSpPr>
+          <p:cNvPr id="7" name="ZoneTexte 6"/>
+          <p:cNvSpPr txBox="1"/>
+          <p:nvPr/>
+        </p:nvSpPr>
+        <p:spPr>
+          <a:xfrm>
             <a:off x="3027406" y="1036597"/>
             <a:ext cx="914400" cy="277000"/>
           </a:xfrm>
@@ -4234,7 +5984,7 @@
     </p:spTree>
     <p:extLst>
       <p:ext uri="{BB962C8B-B14F-4D97-AF65-F5344CB8AC3E}">
-        <p14:creationId xmlns:p14="http://schemas.microsoft.com/office/powerpoint/2010/main" val="1944218049"/>
+        <p14:creationId xmlns:p14="http://schemas.microsoft.com/office/powerpoint/2010/main" val="763798095"/>
       </p:ext>
     </p:extLst>
   </p:cSld>

--- a/Présentation1.pptx
+++ b/Présentation1.pptx
@@ -10,6 +10,7 @@
     <p:sldId id="259" r:id="rId4"/>
     <p:sldId id="294" r:id="rId5"/>
     <p:sldId id="295" r:id="rId6"/>
+    <p:sldId id="296" r:id="rId7"/>
   </p:sldIdLst>
   <p:sldSz cx="12192000" cy="6858000"/>
   <p:notesSz cx="6858000" cy="9144000"/>
@@ -117,11 +118,12 @@
             <p14:sldId id="258"/>
             <p14:sldId id="259"/>
             <p14:sldId id="294"/>
+            <p14:sldId id="295"/>
           </p14:sldIdLst>
         </p14:section>
         <p14:section name="Section sans titre" id="{C053562E-17FE-48E5-8D93-2DAC44172C1B}">
           <p14:sldIdLst>
-            <p14:sldId id="295"/>
+            <p14:sldId id="296"/>
           </p14:sldIdLst>
         </p14:section>
       </p14:sectionLst>
@@ -264,7 +266,7 @@
           <a:p>
             <a:fld id="{1FC9E3A4-5045-49C9-9CDF-25C2D5A049AC}" type="datetimeFigureOut">
               <a:rPr lang="fr-FR" smtClean="0"/>
-              <a:t>05/04/2018</a:t>
+              <a:t>06/04/2018</a:t>
             </a:fld>
             <a:endParaRPr lang="fr-FR"/>
           </a:p>
@@ -434,7 +436,7 @@
           <a:p>
             <a:fld id="{1FC9E3A4-5045-49C9-9CDF-25C2D5A049AC}" type="datetimeFigureOut">
               <a:rPr lang="fr-FR" smtClean="0"/>
-              <a:t>05/04/2018</a:t>
+              <a:t>06/04/2018</a:t>
             </a:fld>
             <a:endParaRPr lang="fr-FR"/>
           </a:p>
@@ -614,7 +616,7 @@
           <a:p>
             <a:fld id="{1FC9E3A4-5045-49C9-9CDF-25C2D5A049AC}" type="datetimeFigureOut">
               <a:rPr lang="fr-FR" smtClean="0"/>
-              <a:t>05/04/2018</a:t>
+              <a:t>06/04/2018</a:t>
             </a:fld>
             <a:endParaRPr lang="fr-FR"/>
           </a:p>
@@ -784,7 +786,7 @@
           <a:p>
             <a:fld id="{1FC9E3A4-5045-49C9-9CDF-25C2D5A049AC}" type="datetimeFigureOut">
               <a:rPr lang="fr-FR" smtClean="0"/>
-              <a:t>05/04/2018</a:t>
+              <a:t>06/04/2018</a:t>
             </a:fld>
             <a:endParaRPr lang="fr-FR"/>
           </a:p>
@@ -1030,7 +1032,7 @@
           <a:p>
             <a:fld id="{1FC9E3A4-5045-49C9-9CDF-25C2D5A049AC}" type="datetimeFigureOut">
               <a:rPr lang="fr-FR" smtClean="0"/>
-              <a:t>05/04/2018</a:t>
+              <a:t>06/04/2018</a:t>
             </a:fld>
             <a:endParaRPr lang="fr-FR"/>
           </a:p>
@@ -1262,7 +1264,7 @@
           <a:p>
             <a:fld id="{1FC9E3A4-5045-49C9-9CDF-25C2D5A049AC}" type="datetimeFigureOut">
               <a:rPr lang="fr-FR" smtClean="0"/>
-              <a:t>05/04/2018</a:t>
+              <a:t>06/04/2018</a:t>
             </a:fld>
             <a:endParaRPr lang="fr-FR"/>
           </a:p>
@@ -1629,7 +1631,7 @@
           <a:p>
             <a:fld id="{1FC9E3A4-5045-49C9-9CDF-25C2D5A049AC}" type="datetimeFigureOut">
               <a:rPr lang="fr-FR" smtClean="0"/>
-              <a:t>05/04/2018</a:t>
+              <a:t>06/04/2018</a:t>
             </a:fld>
             <a:endParaRPr lang="fr-FR"/>
           </a:p>
@@ -1747,7 +1749,7 @@
           <a:p>
             <a:fld id="{1FC9E3A4-5045-49C9-9CDF-25C2D5A049AC}" type="datetimeFigureOut">
               <a:rPr lang="fr-FR" smtClean="0"/>
-              <a:t>05/04/2018</a:t>
+              <a:t>06/04/2018</a:t>
             </a:fld>
             <a:endParaRPr lang="fr-FR"/>
           </a:p>
@@ -1842,7 +1844,7 @@
           <a:p>
             <a:fld id="{1FC9E3A4-5045-49C9-9CDF-25C2D5A049AC}" type="datetimeFigureOut">
               <a:rPr lang="fr-FR" smtClean="0"/>
-              <a:t>05/04/2018</a:t>
+              <a:t>06/04/2018</a:t>
             </a:fld>
             <a:endParaRPr lang="fr-FR"/>
           </a:p>
@@ -2119,7 +2121,7 @@
           <a:p>
             <a:fld id="{1FC9E3A4-5045-49C9-9CDF-25C2D5A049AC}" type="datetimeFigureOut">
               <a:rPr lang="fr-FR" smtClean="0"/>
-              <a:t>05/04/2018</a:t>
+              <a:t>06/04/2018</a:t>
             </a:fld>
             <a:endParaRPr lang="fr-FR"/>
           </a:p>
@@ -2372,7 +2374,7 @@
           <a:p>
             <a:fld id="{1FC9E3A4-5045-49C9-9CDF-25C2D5A049AC}" type="datetimeFigureOut">
               <a:rPr lang="fr-FR" smtClean="0"/>
-              <a:t>05/04/2018</a:t>
+              <a:t>06/04/2018</a:t>
             </a:fld>
             <a:endParaRPr lang="fr-FR"/>
           </a:p>
@@ -2585,7 +2587,7 @@
           <a:p>
             <a:fld id="{1FC9E3A4-5045-49C9-9CDF-25C2D5A049AC}" type="datetimeFigureOut">
               <a:rPr lang="fr-FR" smtClean="0"/>
-              <a:t>05/04/2018</a:t>
+              <a:t>06/04/2018</a:t>
             </a:fld>
             <a:endParaRPr lang="fr-FR"/>
           </a:p>
@@ -3916,25 +3918,16 @@
             </a:r>
             <a:r>
               <a:rPr lang="fr-FR" dirty="0" smtClean="0"/>
-              <a:t>: </a:t>
-            </a:r>
+              <a:t>: Détails/Voir, Modifier, Modifier groupe, Supprimer, Ajouter un terrain, Ajouter un groupe de terrains, Cloner un terrain</a:t>
+            </a:r>
+          </a:p>
+          <a:p>
+            <a:endParaRPr lang="fr-FR" dirty="0" smtClean="0"/>
+          </a:p>
+          <a:p>
             <a:r>
               <a:rPr lang="fr-FR" dirty="0" smtClean="0"/>
-              <a:t>Détails/Voir, Modifier, Modifier groupe, Supprimer, Ajouter un terrain, Ajouter un groupe de terrains, Cloner un terrain</a:t>
-            </a:r>
-            <a:endParaRPr lang="fr-FR" dirty="0" smtClean="0"/>
-          </a:p>
-          <a:p>
-            <a:endParaRPr lang="fr-FR" dirty="0" smtClean="0"/>
-          </a:p>
-          <a:p>
-            <a:r>
-              <a:rPr lang="fr-FR" dirty="0" smtClean="0"/>
-              <a:t>Actions : </a:t>
-            </a:r>
-            <a:r>
-              <a:rPr lang="fr-FR" dirty="0" smtClean="0"/>
-              <a:t>Filtrer selon catégorie, voir un terrain, modifier un terrain, modifier un groupe de terrain, supprimer un terrain, ajouter un terrain, ajouter un </a:t>
+              <a:t>Actions : Filtrer selon catégorie, voir un terrain, modifier un terrain, modifier un groupe de terrain, supprimer un terrain, ajouter un terrain, ajouter un </a:t>
             </a:r>
             <a:r>
               <a:rPr lang="fr-FR" dirty="0" err="1" smtClean="0"/>
@@ -3944,7 +3937,6 @@
               <a:rPr lang="fr-FR" dirty="0" smtClean="0"/>
               <a:t> de terrain, cloner un terrain </a:t>
             </a:r>
-            <a:endParaRPr lang="fr-FR" dirty="0" smtClean="0"/>
           </a:p>
           <a:p>
             <a:endParaRPr lang="fr-FR" dirty="0"/>
@@ -3956,15 +3948,19 @@
             </a:r>
             <a:r>
               <a:rPr lang="fr-FR" dirty="0" err="1" smtClean="0"/>
-              <a:t>Nav</a:t>
-            </a:r>
-            <a:r>
-              <a:rPr lang="fr-FR" dirty="0" err="1" smtClean="0"/>
-              <a:t>bar</a:t>
+              <a:t>Navbar</a:t>
             </a:r>
             <a:r>
               <a:rPr lang="fr-FR" dirty="0" smtClean="0"/>
-              <a:t>, détail terrain</a:t>
+              <a:t>, </a:t>
+            </a:r>
+            <a:r>
+              <a:rPr lang="fr-FR" dirty="0" smtClean="0"/>
+              <a:t>détailTerrain</a:t>
+            </a:r>
+            <a:r>
+              <a:rPr lang="fr-FR" dirty="0" smtClean="0"/>
+              <a:t>.html</a:t>
             </a:r>
             <a:endParaRPr lang="fr-FR" dirty="0" smtClean="0"/>
           </a:p>
@@ -4624,15 +4620,7 @@
                   <a:sysClr val="windowText" lastClr="000000"/>
                 </a:solidFill>
               </a:rPr>
-              <a:t>Ajouter un groupe de </a:t>
-            </a:r>
-            <a:r>
-              <a:rPr lang="fr-FR" sz="700" dirty="0" smtClean="0">
-                <a:solidFill>
-                  <a:sysClr val="windowText" lastClr="000000"/>
-                </a:solidFill>
-              </a:rPr>
-              <a:t>terrains</a:t>
+              <a:t>Ajouter un groupe de terrains</a:t>
             </a:r>
             <a:endParaRPr lang="fr-FR" sz="700" dirty="0">
               <a:solidFill>
@@ -4921,11 +4909,7 @@
           <a:p>
             <a:r>
               <a:rPr lang="fr-FR" sz="1000" dirty="0" smtClean="0"/>
-              <a:t>Synthèse des terrains </a:t>
-            </a:r>
-            <a:r>
-              <a:rPr lang="fr-FR" sz="1000" dirty="0" smtClean="0"/>
-              <a:t>: </a:t>
+              <a:t>Synthèse des terrains : </a:t>
             </a:r>
             <a:endParaRPr lang="fr-FR" sz="1000" dirty="0"/>
           </a:p>
@@ -5406,7 +5390,7 @@
             <a:pPr algn="ctr"/>
             <a:r>
               <a:rPr lang="fr-FR" dirty="0" smtClean="0"/>
-              <a:t>PAGE</a:t>
+              <a:t>AJOUTER UN TERRAIN</a:t>
             </a:r>
             <a:endParaRPr lang="fr-FR" dirty="0"/>
           </a:p>
@@ -5421,7 +5405,7 @@
         <p:spPr>
           <a:xfrm>
             <a:off x="6376086" y="1346886"/>
-            <a:ext cx="5066271" cy="2585323"/>
+            <a:ext cx="5066271" cy="3416320"/>
           </a:xfrm>
           <a:prstGeom prst="rect">
             <a:avLst/>
@@ -5438,6 +5422,15 @@
               <a:rPr lang="fr-FR" dirty="0" smtClean="0"/>
               <a:t>Chemin : </a:t>
             </a:r>
+            <a:r>
+              <a:rPr lang="fr-FR" dirty="0"/>
+              <a:t>../</a:t>
+            </a:r>
+            <a:r>
+              <a:rPr lang="fr-FR" dirty="0" smtClean="0"/>
+              <a:t>terrains/ajouterTerrain.html</a:t>
+            </a:r>
+            <a:endParaRPr lang="fr-FR" dirty="0" smtClean="0"/>
           </a:p>
           <a:p>
             <a:endParaRPr lang="fr-FR" dirty="0"/>
@@ -5445,8 +5438,13 @@
           <a:p>
             <a:r>
               <a:rPr lang="fr-FR" dirty="0" smtClean="0"/>
-              <a:t>Description :</a:t>
-            </a:r>
+              <a:t>Description </a:t>
+            </a:r>
+            <a:r>
+              <a:rPr lang="fr-FR" dirty="0" smtClean="0"/>
+              <a:t>: Cette page permet de créer un terrain unique communautaire ou privé</a:t>
+            </a:r>
+            <a:endParaRPr lang="fr-FR" dirty="0" smtClean="0"/>
           </a:p>
           <a:p>
             <a:endParaRPr lang="fr-FR" dirty="0"/>
@@ -5464,6 +5462,11 @@
               <a:rPr lang="fr-FR" dirty="0" smtClean="0"/>
               <a:t>: </a:t>
             </a:r>
+            <a:r>
+              <a:rPr lang="fr-FR" dirty="0" smtClean="0"/>
+              <a:t>Créer (communautaire), Créer (privé)</a:t>
+            </a:r>
+            <a:endParaRPr lang="fr-FR" dirty="0" smtClean="0"/>
           </a:p>
           <a:p>
             <a:endParaRPr lang="fr-FR" dirty="0" smtClean="0"/>
@@ -5473,6 +5476,11 @@
               <a:rPr lang="fr-FR" dirty="0" smtClean="0"/>
               <a:t>Actions : </a:t>
             </a:r>
+            <a:r>
+              <a:rPr lang="fr-FR" dirty="0" smtClean="0"/>
+              <a:t>Créer un terrain communautaire, créer un terrain privé</a:t>
+            </a:r>
+            <a:endParaRPr lang="fr-FR" dirty="0" smtClean="0"/>
           </a:p>
           <a:p>
             <a:endParaRPr lang="fr-FR" dirty="0"/>
@@ -5482,6 +5490,11 @@
               <a:rPr lang="fr-FR" dirty="0" smtClean="0"/>
               <a:t>Accessible par : </a:t>
             </a:r>
+            <a:r>
+              <a:rPr lang="fr-FR" dirty="0" smtClean="0"/>
+              <a:t>terrain.html</a:t>
+            </a:r>
+            <a:endParaRPr lang="fr-FR" dirty="0" smtClean="0"/>
           </a:p>
         </p:txBody>
       </p:sp>
@@ -5565,7 +5578,7 @@
           <p:nvPr>
             <p:extLst>
               <p:ext uri="{D42A27DB-BD31-4B8C-83A1-F6EECF244321}">
-                <p14:modId xmlns:p14="http://schemas.microsoft.com/office/powerpoint/2010/main" val="1578854517"/>
+                <p14:modId xmlns:p14="http://schemas.microsoft.com/office/powerpoint/2010/main" val="186332117"/>
               </p:ext>
             </p:extLst>
           </p:nvPr>
@@ -5618,6 +5631,10 @@
                     <a:lstStyle/>
                     <a:p>
                       <a:pPr algn="ctr"/>
+                      <a:r>
+                        <a:rPr lang="fr-FR" sz="700" dirty="0" smtClean="0"/>
+                        <a:t>Privé</a:t>
+                      </a:r>
                       <a:endParaRPr lang="fr-FR" sz="700" dirty="0"/>
                     </a:p>
                   </a:txBody>
@@ -5633,6 +5650,275 @@
           </a:graphicData>
         </a:graphic>
       </p:graphicFrame>
+      <p:sp>
+        <p:nvSpPr>
+          <p:cNvPr id="10" name="Rectangle 9"/>
+          <p:cNvSpPr/>
+          <p:nvPr/>
+        </p:nvSpPr>
+        <p:spPr>
+          <a:xfrm>
+            <a:off x="1717590" y="1725149"/>
+            <a:ext cx="3534030" cy="4329661"/>
+          </a:xfrm>
+          <a:prstGeom prst="rect">
+            <a:avLst/>
+          </a:prstGeom>
+          <a:noFill/>
+        </p:spPr>
+        <p:style>
+          <a:lnRef idx="2">
+            <a:schemeClr val="accent1">
+              <a:shade val="50000"/>
+            </a:schemeClr>
+          </a:lnRef>
+          <a:fillRef idx="1">
+            <a:schemeClr val="accent1"/>
+          </a:fillRef>
+          <a:effectRef idx="0">
+            <a:schemeClr val="accent1"/>
+          </a:effectRef>
+          <a:fontRef idx="minor">
+            <a:schemeClr val="lt1"/>
+          </a:fontRef>
+        </p:style>
+        <p:txBody>
+          <a:bodyPr rtlCol="0" anchor="ctr"/>
+          <a:lstStyle/>
+          <a:p>
+            <a:pPr algn="ctr"/>
+            <a:r>
+              <a:rPr lang="fr-FR" sz="800" dirty="0" smtClean="0">
+                <a:solidFill>
+                  <a:schemeClr val="tx1"/>
+                </a:solidFill>
+              </a:rPr>
+              <a:t>Formulaire de création :</a:t>
+            </a:r>
+          </a:p>
+          <a:p>
+            <a:pPr algn="ctr"/>
+            <a:endParaRPr lang="fr-FR" sz="800" dirty="0">
+              <a:solidFill>
+                <a:schemeClr val="tx1"/>
+              </a:solidFill>
+            </a:endParaRPr>
+          </a:p>
+          <a:p>
+            <a:pPr algn="ctr"/>
+            <a:r>
+              <a:rPr lang="fr-FR" sz="800" dirty="0" smtClean="0">
+                <a:solidFill>
+                  <a:schemeClr val="tx1"/>
+                </a:solidFill>
+              </a:rPr>
+              <a:t>Libelle</a:t>
+            </a:r>
+          </a:p>
+          <a:p>
+            <a:pPr algn="ctr"/>
+            <a:r>
+              <a:rPr lang="fr-FR" sz="800" dirty="0" smtClean="0">
+                <a:solidFill>
+                  <a:schemeClr val="tx1"/>
+                </a:solidFill>
+              </a:rPr>
+              <a:t>Type</a:t>
+            </a:r>
+          </a:p>
+          <a:p>
+            <a:pPr algn="ctr"/>
+            <a:r>
+              <a:rPr lang="fr-FR" sz="800" dirty="0" smtClean="0">
+                <a:solidFill>
+                  <a:schemeClr val="tx1"/>
+                </a:solidFill>
+              </a:rPr>
+              <a:t>Adresse</a:t>
+            </a:r>
+          </a:p>
+          <a:p>
+            <a:pPr algn="ctr"/>
+            <a:r>
+              <a:rPr lang="fr-FR" sz="800" dirty="0" smtClean="0">
+                <a:solidFill>
+                  <a:schemeClr val="tx1"/>
+                </a:solidFill>
+              </a:rPr>
+              <a:t>Lieu dit</a:t>
+            </a:r>
+          </a:p>
+          <a:p>
+            <a:pPr algn="ctr"/>
+            <a:r>
+              <a:rPr lang="fr-FR" sz="800" dirty="0" smtClean="0">
+                <a:solidFill>
+                  <a:schemeClr val="tx1"/>
+                </a:solidFill>
+              </a:rPr>
+              <a:t>Quartier</a:t>
+            </a:r>
+          </a:p>
+          <a:p>
+            <a:pPr algn="ctr"/>
+            <a:endParaRPr lang="fr-FR" sz="800" dirty="0">
+              <a:solidFill>
+                <a:schemeClr val="tx1"/>
+              </a:solidFill>
+            </a:endParaRPr>
+          </a:p>
+          <a:p>
+            <a:pPr algn="ctr"/>
+            <a:r>
+              <a:rPr lang="fr-FR" sz="800" dirty="0" smtClean="0">
+                <a:solidFill>
+                  <a:schemeClr val="tx1"/>
+                </a:solidFill>
+              </a:rPr>
+              <a:t>Pour communautaire</a:t>
+            </a:r>
+          </a:p>
+          <a:p>
+            <a:pPr algn="ctr"/>
+            <a:r>
+              <a:rPr lang="fr-FR" sz="800" dirty="0" smtClean="0">
+                <a:solidFill>
+                  <a:schemeClr val="tx1"/>
+                </a:solidFill>
+              </a:rPr>
+              <a:t>Fonction</a:t>
+            </a:r>
+          </a:p>
+          <a:p>
+            <a:pPr algn="ctr"/>
+            <a:r>
+              <a:rPr lang="fr-FR" sz="800" dirty="0" smtClean="0">
+                <a:solidFill>
+                  <a:schemeClr val="tx1"/>
+                </a:solidFill>
+              </a:rPr>
+              <a:t>RH</a:t>
+            </a:r>
+          </a:p>
+          <a:p>
+            <a:pPr algn="ctr"/>
+            <a:endParaRPr lang="fr-FR" sz="800" dirty="0">
+              <a:solidFill>
+                <a:schemeClr val="tx1"/>
+              </a:solidFill>
+            </a:endParaRPr>
+          </a:p>
+          <a:p>
+            <a:pPr algn="ctr"/>
+            <a:r>
+              <a:rPr lang="fr-FR" sz="800" dirty="0" smtClean="0">
+                <a:solidFill>
+                  <a:schemeClr val="tx1"/>
+                </a:solidFill>
+              </a:rPr>
+              <a:t>Pour privé</a:t>
+            </a:r>
+          </a:p>
+          <a:p>
+            <a:pPr algn="ctr"/>
+            <a:r>
+              <a:rPr lang="fr-FR" sz="800" dirty="0" smtClean="0">
+                <a:solidFill>
+                  <a:schemeClr val="tx1"/>
+                </a:solidFill>
+              </a:rPr>
+              <a:t>Classe</a:t>
+            </a:r>
+          </a:p>
+          <a:p>
+            <a:pPr algn="ctr"/>
+            <a:r>
+              <a:rPr lang="fr-FR" sz="800" dirty="0" smtClean="0">
+                <a:solidFill>
+                  <a:schemeClr val="tx1"/>
+                </a:solidFill>
+              </a:rPr>
+              <a:t>Groupe</a:t>
+            </a:r>
+          </a:p>
+          <a:p>
+            <a:pPr algn="ctr"/>
+            <a:r>
+              <a:rPr lang="fr-FR" sz="800" dirty="0" smtClean="0">
+                <a:solidFill>
+                  <a:schemeClr val="tx1"/>
+                </a:solidFill>
+              </a:rPr>
+              <a:t>Préconstruit</a:t>
+            </a:r>
+          </a:p>
+          <a:p>
+            <a:pPr algn="ctr"/>
+            <a:endParaRPr lang="fr-FR" sz="800" dirty="0">
+              <a:solidFill>
+                <a:schemeClr val="tx1"/>
+              </a:solidFill>
+            </a:endParaRPr>
+          </a:p>
+        </p:txBody>
+      </p:sp>
+      <p:sp>
+        <p:nvSpPr>
+          <p:cNvPr id="11" name="Rectangle à coins arrondis 10"/>
+          <p:cNvSpPr/>
+          <p:nvPr/>
+        </p:nvSpPr>
+        <p:spPr>
+          <a:xfrm>
+            <a:off x="3142979" y="5738999"/>
+            <a:ext cx="707963" cy="119780"/>
+          </a:xfrm>
+          <a:prstGeom prst="roundRect">
+            <a:avLst/>
+          </a:prstGeom>
+          <a:solidFill>
+            <a:schemeClr val="bg1">
+              <a:lumMod val="95000"/>
+            </a:schemeClr>
+          </a:solidFill>
+        </p:spPr>
+        <p:style>
+          <a:lnRef idx="2">
+            <a:schemeClr val="accent1">
+              <a:shade val="50000"/>
+            </a:schemeClr>
+          </a:lnRef>
+          <a:fillRef idx="1">
+            <a:schemeClr val="accent1"/>
+          </a:fillRef>
+          <a:effectRef idx="0">
+            <a:schemeClr val="accent1"/>
+          </a:effectRef>
+          <a:fontRef idx="minor">
+            <a:schemeClr val="lt1"/>
+          </a:fontRef>
+        </p:style>
+        <p:txBody>
+          <a:bodyPr rtlCol="0" anchor="ctr"/>
+          <a:lstStyle/>
+          <a:p>
+            <a:pPr algn="ctr"/>
+            <a:r>
+              <a:rPr lang="fr-FR" sz="700" dirty="0" smtClean="0">
+                <a:solidFill>
+                  <a:sysClr val="windowText" lastClr="000000"/>
+                </a:solidFill>
+              </a:rPr>
+              <a:t>Créer</a:t>
+            </a:r>
+            <a:endParaRPr lang="fr-FR" sz="700" dirty="0">
+              <a:solidFill>
+                <a:sysClr val="windowText" lastClr="000000"/>
+              </a:solidFill>
+            </a:endParaRPr>
+          </a:p>
+        </p:txBody>
+      </p:sp>
     </p:spTree>
     <p:extLst>
       <p:ext uri="{BB962C8B-B14F-4D97-AF65-F5344CB8AC3E}">
@@ -5831,6 +6117,752 @@
             <a:pPr algn="ctr"/>
             <a:r>
               <a:rPr lang="fr-FR" dirty="0" smtClean="0"/>
+              <a:t>AJOUTER UN GROUPE DE TERRAIN</a:t>
+            </a:r>
+            <a:endParaRPr lang="fr-FR" dirty="0"/>
+          </a:p>
+        </p:txBody>
+      </p:sp>
+      <p:sp>
+        <p:nvSpPr>
+          <p:cNvPr id="7" name="ZoneTexte 6"/>
+          <p:cNvSpPr txBox="1"/>
+          <p:nvPr/>
+        </p:nvSpPr>
+        <p:spPr>
+          <a:xfrm>
+            <a:off x="2224216" y="1036597"/>
+            <a:ext cx="2520780" cy="276999"/>
+          </a:xfrm>
+          <a:prstGeom prst="rect">
+            <a:avLst/>
+          </a:prstGeom>
+          <a:noFill/>
+          <a:ln>
+            <a:noFill/>
+          </a:ln>
+        </p:spPr>
+        <p:txBody>
+          <a:bodyPr wrap="square" rtlCol="0">
+            <a:spAutoFit/>
+          </a:bodyPr>
+          <a:lstStyle/>
+          <a:p>
+            <a:pPr algn="ctr"/>
+            <a:r>
+              <a:rPr lang="fr-FR" sz="1200" dirty="0" smtClean="0"/>
+              <a:t>AJOUTER UN GROUPE DE TERRAIN</a:t>
+            </a:r>
+            <a:endParaRPr lang="fr-FR" sz="1200" dirty="0"/>
+          </a:p>
+        </p:txBody>
+      </p:sp>
+      <p:cxnSp>
+        <p:nvCxnSpPr>
+          <p:cNvPr id="9" name="Connecteur droit 8"/>
+          <p:cNvCxnSpPr/>
+          <p:nvPr/>
+        </p:nvCxnSpPr>
+        <p:spPr>
+          <a:xfrm>
+            <a:off x="1890583" y="1313597"/>
+            <a:ext cx="3212757" cy="0"/>
+          </a:xfrm>
+          <a:prstGeom prst="line">
+            <a:avLst/>
+          </a:prstGeom>
+          <a:ln>
+            <a:solidFill>
+              <a:schemeClr val="bg1">
+                <a:lumMod val="85000"/>
+              </a:schemeClr>
+            </a:solidFill>
+          </a:ln>
+        </p:spPr>
+        <p:style>
+          <a:lnRef idx="1">
+            <a:schemeClr val="dk1"/>
+          </a:lnRef>
+          <a:fillRef idx="0">
+            <a:schemeClr val="dk1"/>
+          </a:fillRef>
+          <a:effectRef idx="0">
+            <a:schemeClr val="dk1"/>
+          </a:effectRef>
+          <a:fontRef idx="minor">
+            <a:schemeClr val="tx1"/>
+          </a:fontRef>
+        </p:style>
+      </p:cxnSp>
+      <p:graphicFrame>
+        <p:nvGraphicFramePr>
+          <p:cNvPr id="10" name="Tableau 9"/>
+          <p:cNvGraphicFramePr>
+            <a:graphicFrameLocks noGrp="1"/>
+          </p:cNvGraphicFramePr>
+          <p:nvPr>
+            <p:extLst>
+              <p:ext uri="{D42A27DB-BD31-4B8C-83A1-F6EECF244321}">
+                <p14:modId xmlns:p14="http://schemas.microsoft.com/office/powerpoint/2010/main" val="3730611838"/>
+              </p:ext>
+            </p:extLst>
+          </p:nvPr>
+        </p:nvGraphicFramePr>
+        <p:xfrm>
+          <a:off x="1727200" y="1515016"/>
+          <a:ext cx="1625600" cy="216000"/>
+        </p:xfrm>
+        <a:graphic>
+          <a:graphicData uri="http://schemas.openxmlformats.org/drawingml/2006/table">
+            <a:tbl>
+              <a:tblPr firstRow="1" bandRow="1">
+                <a:tableStyleId>{5940675A-B579-460E-94D1-54222C63F5DA}</a:tableStyleId>
+              </a:tblPr>
+              <a:tblGrid>
+                <a:gridCol w="812800">
+                  <a:extLst>
+                    <a:ext uri="{9D8B030D-6E8A-4147-A177-3AD203B41FA5}">
+                      <a16:colId xmlns:a16="http://schemas.microsoft.com/office/drawing/2014/main" val="2870765883"/>
+                    </a:ext>
+                  </a:extLst>
+                </a:gridCol>
+                <a:gridCol w="812800">
+                  <a:extLst>
+                    <a:ext uri="{9D8B030D-6E8A-4147-A177-3AD203B41FA5}">
+                      <a16:colId xmlns:a16="http://schemas.microsoft.com/office/drawing/2014/main" val="3670394519"/>
+                    </a:ext>
+                  </a:extLst>
+                </a:gridCol>
+              </a:tblGrid>
+              <a:tr h="216000">
+                <a:tc>
+                  <a:txBody>
+                    <a:bodyPr/>
+                    <a:lstStyle/>
+                    <a:p>
+                      <a:pPr algn="ctr"/>
+                      <a:r>
+                        <a:rPr lang="fr-FR" sz="700" dirty="0" smtClean="0"/>
+                        <a:t>Communautaire</a:t>
+                      </a:r>
+                      <a:endParaRPr lang="fr-FR" sz="700" dirty="0"/>
+                    </a:p>
+                  </a:txBody>
+                  <a:tcPr/>
+                </a:tc>
+                <a:tc>
+                  <a:txBody>
+                    <a:bodyPr/>
+                    <a:lstStyle/>
+                    <a:p>
+                      <a:pPr algn="ctr"/>
+                      <a:r>
+                        <a:rPr lang="fr-FR" sz="700" dirty="0" smtClean="0"/>
+                        <a:t>Privé</a:t>
+                      </a:r>
+                      <a:endParaRPr lang="fr-FR" sz="700" dirty="0"/>
+                    </a:p>
+                  </a:txBody>
+                  <a:tcPr/>
+                </a:tc>
+                <a:extLst>
+                  <a:ext uri="{0D108BD9-81ED-4DB2-BD59-A6C34878D82A}">
+                    <a16:rowId xmlns:a16="http://schemas.microsoft.com/office/drawing/2014/main" val="2950516704"/>
+                  </a:ext>
+                </a:extLst>
+              </a:tr>
+            </a:tbl>
+          </a:graphicData>
+        </a:graphic>
+      </p:graphicFrame>
+      <p:sp>
+        <p:nvSpPr>
+          <p:cNvPr id="11" name="Rectangle 10"/>
+          <p:cNvSpPr/>
+          <p:nvPr/>
+        </p:nvSpPr>
+        <p:spPr>
+          <a:xfrm>
+            <a:off x="1717590" y="1725149"/>
+            <a:ext cx="3534030" cy="4329661"/>
+          </a:xfrm>
+          <a:prstGeom prst="rect">
+            <a:avLst/>
+          </a:prstGeom>
+          <a:noFill/>
+        </p:spPr>
+        <p:style>
+          <a:lnRef idx="2">
+            <a:schemeClr val="accent1">
+              <a:shade val="50000"/>
+            </a:schemeClr>
+          </a:lnRef>
+          <a:fillRef idx="1">
+            <a:schemeClr val="accent1"/>
+          </a:fillRef>
+          <a:effectRef idx="0">
+            <a:schemeClr val="accent1"/>
+          </a:effectRef>
+          <a:fontRef idx="minor">
+            <a:schemeClr val="lt1"/>
+          </a:fontRef>
+        </p:style>
+        <p:txBody>
+          <a:bodyPr rtlCol="0" anchor="ctr"/>
+          <a:lstStyle/>
+          <a:p>
+            <a:pPr algn="ctr"/>
+            <a:r>
+              <a:rPr lang="fr-FR" sz="800" dirty="0" smtClean="0">
+                <a:solidFill>
+                  <a:schemeClr val="tx1"/>
+                </a:solidFill>
+              </a:rPr>
+              <a:t>Formulaire de création :</a:t>
+            </a:r>
+          </a:p>
+          <a:p>
+            <a:pPr algn="ctr"/>
+            <a:endParaRPr lang="fr-FR" sz="800" dirty="0">
+              <a:solidFill>
+                <a:schemeClr val="tx1"/>
+              </a:solidFill>
+            </a:endParaRPr>
+          </a:p>
+          <a:p>
+            <a:pPr algn="ctr"/>
+            <a:r>
+              <a:rPr lang="fr-FR" sz="800" dirty="0" smtClean="0">
+                <a:solidFill>
+                  <a:schemeClr val="tx1"/>
+                </a:solidFill>
+              </a:rPr>
+              <a:t>Nombre</a:t>
+            </a:r>
+          </a:p>
+          <a:p>
+            <a:pPr algn="ctr"/>
+            <a:endParaRPr lang="fr-FR" sz="800" dirty="0">
+              <a:solidFill>
+                <a:schemeClr val="tx1"/>
+              </a:solidFill>
+            </a:endParaRPr>
+          </a:p>
+          <a:p>
+            <a:pPr algn="ctr"/>
+            <a:r>
+              <a:rPr lang="fr-FR" sz="800" dirty="0" smtClean="0">
+                <a:solidFill>
+                  <a:schemeClr val="tx1"/>
+                </a:solidFill>
+              </a:rPr>
+              <a:t>Libelle</a:t>
+            </a:r>
+          </a:p>
+          <a:p>
+            <a:pPr algn="ctr"/>
+            <a:r>
+              <a:rPr lang="fr-FR" sz="800" dirty="0" smtClean="0">
+                <a:solidFill>
+                  <a:schemeClr val="tx1"/>
+                </a:solidFill>
+              </a:rPr>
+              <a:t>Type</a:t>
+            </a:r>
+          </a:p>
+          <a:p>
+            <a:pPr algn="ctr"/>
+            <a:r>
+              <a:rPr lang="fr-FR" sz="800" dirty="0" smtClean="0">
+                <a:solidFill>
+                  <a:schemeClr val="tx1"/>
+                </a:solidFill>
+              </a:rPr>
+              <a:t>Adresse</a:t>
+            </a:r>
+          </a:p>
+          <a:p>
+            <a:pPr algn="ctr"/>
+            <a:r>
+              <a:rPr lang="fr-FR" sz="800" dirty="0" smtClean="0">
+                <a:solidFill>
+                  <a:schemeClr val="tx1"/>
+                </a:solidFill>
+              </a:rPr>
+              <a:t>Lieu dit</a:t>
+            </a:r>
+          </a:p>
+          <a:p>
+            <a:pPr algn="ctr"/>
+            <a:r>
+              <a:rPr lang="fr-FR" sz="800" dirty="0" smtClean="0">
+                <a:solidFill>
+                  <a:schemeClr val="tx1"/>
+                </a:solidFill>
+              </a:rPr>
+              <a:t>Quartier</a:t>
+            </a:r>
+          </a:p>
+          <a:p>
+            <a:pPr algn="ctr"/>
+            <a:endParaRPr lang="fr-FR" sz="800" dirty="0">
+              <a:solidFill>
+                <a:schemeClr val="tx1"/>
+              </a:solidFill>
+            </a:endParaRPr>
+          </a:p>
+          <a:p>
+            <a:pPr algn="ctr"/>
+            <a:r>
+              <a:rPr lang="fr-FR" sz="800" dirty="0" smtClean="0">
+                <a:solidFill>
+                  <a:schemeClr val="tx1"/>
+                </a:solidFill>
+              </a:rPr>
+              <a:t>Pour communautaire</a:t>
+            </a:r>
+          </a:p>
+          <a:p>
+            <a:pPr algn="ctr"/>
+            <a:r>
+              <a:rPr lang="fr-FR" sz="800" dirty="0" smtClean="0">
+                <a:solidFill>
+                  <a:schemeClr val="tx1"/>
+                </a:solidFill>
+              </a:rPr>
+              <a:t>Fonction</a:t>
+            </a:r>
+          </a:p>
+          <a:p>
+            <a:pPr algn="ctr"/>
+            <a:r>
+              <a:rPr lang="fr-FR" sz="800" dirty="0" smtClean="0">
+                <a:solidFill>
+                  <a:schemeClr val="tx1"/>
+                </a:solidFill>
+              </a:rPr>
+              <a:t>RH</a:t>
+            </a:r>
+          </a:p>
+          <a:p>
+            <a:pPr algn="ctr"/>
+            <a:endParaRPr lang="fr-FR" sz="800" dirty="0">
+              <a:solidFill>
+                <a:schemeClr val="tx1"/>
+              </a:solidFill>
+            </a:endParaRPr>
+          </a:p>
+          <a:p>
+            <a:pPr algn="ctr"/>
+            <a:r>
+              <a:rPr lang="fr-FR" sz="800" dirty="0" smtClean="0">
+                <a:solidFill>
+                  <a:schemeClr val="tx1"/>
+                </a:solidFill>
+              </a:rPr>
+              <a:t>Pour privé</a:t>
+            </a:r>
+          </a:p>
+          <a:p>
+            <a:pPr algn="ctr"/>
+            <a:r>
+              <a:rPr lang="fr-FR" sz="800" dirty="0" smtClean="0">
+                <a:solidFill>
+                  <a:schemeClr val="tx1"/>
+                </a:solidFill>
+              </a:rPr>
+              <a:t>Classe</a:t>
+            </a:r>
+          </a:p>
+          <a:p>
+            <a:pPr algn="ctr"/>
+            <a:r>
+              <a:rPr lang="fr-FR" sz="800" dirty="0" smtClean="0">
+                <a:solidFill>
+                  <a:schemeClr val="tx1"/>
+                </a:solidFill>
+              </a:rPr>
+              <a:t>Groupe</a:t>
+            </a:r>
+          </a:p>
+          <a:p>
+            <a:pPr algn="ctr"/>
+            <a:r>
+              <a:rPr lang="fr-FR" sz="800" dirty="0" smtClean="0">
+                <a:solidFill>
+                  <a:schemeClr val="tx1"/>
+                </a:solidFill>
+              </a:rPr>
+              <a:t>Préconstruit</a:t>
+            </a:r>
+          </a:p>
+          <a:p>
+            <a:pPr algn="ctr"/>
+            <a:endParaRPr lang="fr-FR" sz="800" dirty="0">
+              <a:solidFill>
+                <a:schemeClr val="tx1"/>
+              </a:solidFill>
+            </a:endParaRPr>
+          </a:p>
+        </p:txBody>
+      </p:sp>
+      <p:sp>
+        <p:nvSpPr>
+          <p:cNvPr id="12" name="Rectangle à coins arrondis 11"/>
+          <p:cNvSpPr/>
+          <p:nvPr/>
+        </p:nvSpPr>
+        <p:spPr>
+          <a:xfrm>
+            <a:off x="3142979" y="5738999"/>
+            <a:ext cx="707963" cy="119780"/>
+          </a:xfrm>
+          <a:prstGeom prst="roundRect">
+            <a:avLst/>
+          </a:prstGeom>
+          <a:solidFill>
+            <a:schemeClr val="bg1">
+              <a:lumMod val="95000"/>
+            </a:schemeClr>
+          </a:solidFill>
+        </p:spPr>
+        <p:style>
+          <a:lnRef idx="2">
+            <a:schemeClr val="accent1">
+              <a:shade val="50000"/>
+            </a:schemeClr>
+          </a:lnRef>
+          <a:fillRef idx="1">
+            <a:schemeClr val="accent1"/>
+          </a:fillRef>
+          <a:effectRef idx="0">
+            <a:schemeClr val="accent1"/>
+          </a:effectRef>
+          <a:fontRef idx="minor">
+            <a:schemeClr val="lt1"/>
+          </a:fontRef>
+        </p:style>
+        <p:txBody>
+          <a:bodyPr rtlCol="0" anchor="ctr"/>
+          <a:lstStyle/>
+          <a:p>
+            <a:pPr algn="ctr"/>
+            <a:r>
+              <a:rPr lang="fr-FR" sz="700" dirty="0" smtClean="0">
+                <a:solidFill>
+                  <a:sysClr val="windowText" lastClr="000000"/>
+                </a:solidFill>
+              </a:rPr>
+              <a:t>Créer</a:t>
+            </a:r>
+            <a:endParaRPr lang="fr-FR" sz="700" dirty="0">
+              <a:solidFill>
+                <a:sysClr val="windowText" lastClr="000000"/>
+              </a:solidFill>
+            </a:endParaRPr>
+          </a:p>
+        </p:txBody>
+      </p:sp>
+      <p:sp>
+        <p:nvSpPr>
+          <p:cNvPr id="13" name="ZoneTexte 12"/>
+          <p:cNvSpPr txBox="1"/>
+          <p:nvPr/>
+        </p:nvSpPr>
+        <p:spPr>
+          <a:xfrm>
+            <a:off x="6376086" y="1346886"/>
+            <a:ext cx="5066271" cy="3416320"/>
+          </a:xfrm>
+          <a:prstGeom prst="rect">
+            <a:avLst/>
+          </a:prstGeom>
+          <a:noFill/>
+        </p:spPr>
+        <p:txBody>
+          <a:bodyPr wrap="square" rtlCol="0">
+            <a:spAutoFit/>
+          </a:bodyPr>
+          <a:lstStyle/>
+          <a:p>
+            <a:r>
+              <a:rPr lang="fr-FR" dirty="0" smtClean="0"/>
+              <a:t>Chemin : </a:t>
+            </a:r>
+            <a:r>
+              <a:rPr lang="fr-FR" dirty="0"/>
+              <a:t>../</a:t>
+            </a:r>
+            <a:r>
+              <a:rPr lang="fr-FR" dirty="0" smtClean="0"/>
+              <a:t>terrains/ajouterGroupeTerrains.html</a:t>
+            </a:r>
+            <a:endParaRPr lang="fr-FR" dirty="0" smtClean="0"/>
+          </a:p>
+          <a:p>
+            <a:endParaRPr lang="fr-FR" dirty="0"/>
+          </a:p>
+          <a:p>
+            <a:r>
+              <a:rPr lang="fr-FR" dirty="0" smtClean="0"/>
+              <a:t>Description </a:t>
+            </a:r>
+            <a:r>
+              <a:rPr lang="fr-FR" dirty="0" smtClean="0"/>
+              <a:t>: Cette page permet de créer un groupe  de terrains communautaires ou privés</a:t>
+            </a:r>
+            <a:endParaRPr lang="fr-FR" dirty="0" smtClean="0"/>
+          </a:p>
+          <a:p>
+            <a:endParaRPr lang="fr-FR" dirty="0"/>
+          </a:p>
+          <a:p>
+            <a:r>
+              <a:rPr lang="fr-FR" dirty="0" smtClean="0"/>
+              <a:t>Eléments – Boutons</a:t>
+            </a:r>
+            <a:r>
+              <a:rPr lang="fr-FR" dirty="0"/>
+              <a:t> </a:t>
+            </a:r>
+            <a:r>
+              <a:rPr lang="fr-FR" dirty="0" smtClean="0"/>
+              <a:t>: </a:t>
+            </a:r>
+            <a:r>
+              <a:rPr lang="fr-FR" dirty="0" smtClean="0"/>
+              <a:t>Créer (communautaire), Créer (privé)</a:t>
+            </a:r>
+            <a:endParaRPr lang="fr-FR" dirty="0" smtClean="0"/>
+          </a:p>
+          <a:p>
+            <a:endParaRPr lang="fr-FR" dirty="0" smtClean="0"/>
+          </a:p>
+          <a:p>
+            <a:r>
+              <a:rPr lang="fr-FR" dirty="0" smtClean="0"/>
+              <a:t>Actions : </a:t>
+            </a:r>
+            <a:r>
+              <a:rPr lang="fr-FR" dirty="0" smtClean="0"/>
+              <a:t>Créer un groupe de terrains communautaires, créer un groupe de terrains privés</a:t>
+            </a:r>
+            <a:endParaRPr lang="fr-FR" dirty="0" smtClean="0"/>
+          </a:p>
+          <a:p>
+            <a:endParaRPr lang="fr-FR" dirty="0"/>
+          </a:p>
+          <a:p>
+            <a:r>
+              <a:rPr lang="fr-FR" dirty="0" smtClean="0"/>
+              <a:t>Accessible par : </a:t>
+            </a:r>
+            <a:r>
+              <a:rPr lang="fr-FR" dirty="0" smtClean="0"/>
+              <a:t>terrain.html</a:t>
+            </a:r>
+            <a:endParaRPr lang="fr-FR" dirty="0" smtClean="0"/>
+          </a:p>
+        </p:txBody>
+      </p:sp>
+    </p:spTree>
+    <p:extLst>
+      <p:ext uri="{BB962C8B-B14F-4D97-AF65-F5344CB8AC3E}">
+        <p14:creationId xmlns:p14="http://schemas.microsoft.com/office/powerpoint/2010/main" val="763798095"/>
+      </p:ext>
+    </p:extLst>
+  </p:cSld>
+  <p:clrMapOvr>
+    <a:masterClrMapping/>
+  </p:clrMapOvr>
+</p:sld>
+</file>
+
+<file path=ppt/slides/slide6.xml><?xml version="1.0" encoding="utf-8"?>
+<p:sld xmlns:a="http://schemas.openxmlformats.org/drawingml/2006/main" xmlns:r="http://schemas.openxmlformats.org/officeDocument/2006/relationships" xmlns:p="http://schemas.openxmlformats.org/presentationml/2006/main">
+  <p:cSld>
+    <p:spTree>
+      <p:nvGrpSpPr>
+        <p:cNvPr id="1" name=""/>
+        <p:cNvGrpSpPr/>
+        <p:nvPr/>
+      </p:nvGrpSpPr>
+      <p:grpSpPr>
+        <a:xfrm>
+          <a:off x="0" y="0"/>
+          <a:ext cx="0" cy="0"/>
+          <a:chOff x="0" y="0"/>
+          <a:chExt cx="0" cy="0"/>
+        </a:xfrm>
+      </p:grpSpPr>
+      <p:sp>
+        <p:nvSpPr>
+          <p:cNvPr id="4" name="Rectangle 3"/>
+          <p:cNvSpPr/>
+          <p:nvPr/>
+        </p:nvSpPr>
+        <p:spPr>
+          <a:xfrm>
+            <a:off x="1322173" y="383059"/>
+            <a:ext cx="4324865" cy="6104238"/>
+          </a:xfrm>
+          <a:prstGeom prst="rect">
+            <a:avLst/>
+          </a:prstGeom>
+          <a:solidFill>
+            <a:schemeClr val="bg1">
+              <a:lumMod val="65000"/>
+            </a:schemeClr>
+          </a:solidFill>
+        </p:spPr>
+        <p:style>
+          <a:lnRef idx="2">
+            <a:schemeClr val="accent1">
+              <a:shade val="50000"/>
+            </a:schemeClr>
+          </a:lnRef>
+          <a:fillRef idx="1">
+            <a:schemeClr val="accent1"/>
+          </a:fillRef>
+          <a:effectRef idx="0">
+            <a:schemeClr val="accent1"/>
+          </a:effectRef>
+          <a:fontRef idx="minor">
+            <a:schemeClr val="lt1"/>
+          </a:fontRef>
+        </p:style>
+        <p:txBody>
+          <a:bodyPr rtlCol="0" anchor="ctr"/>
+          <a:lstStyle/>
+          <a:p>
+            <a:pPr algn="ctr"/>
+            <a:endParaRPr lang="fr-FR"/>
+          </a:p>
+        </p:txBody>
+      </p:sp>
+      <p:sp>
+        <p:nvSpPr>
+          <p:cNvPr id="2" name="Rectangle 1"/>
+          <p:cNvSpPr/>
+          <p:nvPr/>
+        </p:nvSpPr>
+        <p:spPr>
+          <a:xfrm>
+            <a:off x="1322173" y="383059"/>
+            <a:ext cx="4324865" cy="370703"/>
+          </a:xfrm>
+          <a:prstGeom prst="rect">
+            <a:avLst/>
+          </a:prstGeom>
+          <a:solidFill>
+            <a:schemeClr val="bg1"/>
+          </a:solidFill>
+        </p:spPr>
+        <p:style>
+          <a:lnRef idx="2">
+            <a:schemeClr val="accent1">
+              <a:shade val="50000"/>
+            </a:schemeClr>
+          </a:lnRef>
+          <a:fillRef idx="1">
+            <a:schemeClr val="accent1"/>
+          </a:fillRef>
+          <a:effectRef idx="0">
+            <a:schemeClr val="accent1"/>
+          </a:effectRef>
+          <a:fontRef idx="minor">
+            <a:schemeClr val="lt1"/>
+          </a:fontRef>
+        </p:style>
+        <p:txBody>
+          <a:bodyPr rtlCol="0" anchor="ctr"/>
+          <a:lstStyle/>
+          <a:p>
+            <a:pPr algn="ctr"/>
+            <a:r>
+              <a:rPr lang="fr-FR" dirty="0" smtClean="0">
+                <a:solidFill>
+                  <a:sysClr val="windowText" lastClr="000000"/>
+                </a:solidFill>
+              </a:rPr>
+              <a:t>NAV BAR</a:t>
+            </a:r>
+            <a:endParaRPr lang="fr-FR" dirty="0">
+              <a:solidFill>
+                <a:sysClr val="windowText" lastClr="000000"/>
+              </a:solidFill>
+            </a:endParaRPr>
+          </a:p>
+        </p:txBody>
+      </p:sp>
+      <p:sp>
+        <p:nvSpPr>
+          <p:cNvPr id="3" name="Rectangle 2"/>
+          <p:cNvSpPr/>
+          <p:nvPr/>
+        </p:nvSpPr>
+        <p:spPr>
+          <a:xfrm>
+            <a:off x="1495168" y="926757"/>
+            <a:ext cx="3978875" cy="5399902"/>
+          </a:xfrm>
+          <a:prstGeom prst="rect">
+            <a:avLst/>
+          </a:prstGeom>
+          <a:solidFill>
+            <a:schemeClr val="bg1"/>
+          </a:solidFill>
+        </p:spPr>
+        <p:style>
+          <a:lnRef idx="2">
+            <a:schemeClr val="accent1">
+              <a:shade val="50000"/>
+            </a:schemeClr>
+          </a:lnRef>
+          <a:fillRef idx="1">
+            <a:schemeClr val="accent1"/>
+          </a:fillRef>
+          <a:effectRef idx="0">
+            <a:schemeClr val="accent1"/>
+          </a:effectRef>
+          <a:fontRef idx="minor">
+            <a:schemeClr val="lt1"/>
+          </a:fontRef>
+        </p:style>
+        <p:txBody>
+          <a:bodyPr rtlCol="0" anchor="ctr"/>
+          <a:lstStyle/>
+          <a:p>
+            <a:pPr algn="ctr"/>
+            <a:endParaRPr lang="fr-FR"/>
+          </a:p>
+        </p:txBody>
+      </p:sp>
+      <p:sp>
+        <p:nvSpPr>
+          <p:cNvPr id="5" name="ZoneTexte 4"/>
+          <p:cNvSpPr txBox="1"/>
+          <p:nvPr/>
+        </p:nvSpPr>
+        <p:spPr>
+          <a:xfrm>
+            <a:off x="7327557" y="667265"/>
+            <a:ext cx="3484605" cy="369332"/>
+          </a:xfrm>
+          <a:prstGeom prst="rect">
+            <a:avLst/>
+          </a:prstGeom>
+          <a:noFill/>
+        </p:spPr>
+        <p:txBody>
+          <a:bodyPr wrap="square" rtlCol="0">
+            <a:spAutoFit/>
+          </a:bodyPr>
+          <a:lstStyle/>
+          <a:p>
+            <a:pPr algn="ctr"/>
+            <a:r>
+              <a:rPr lang="fr-FR" dirty="0" smtClean="0"/>
               <a:t>PAGE</a:t>
             </a:r>
             <a:endParaRPr lang="fr-FR" dirty="0"/>
@@ -5984,7 +7016,7 @@
     </p:spTree>
     <p:extLst>
       <p:ext uri="{BB962C8B-B14F-4D97-AF65-F5344CB8AC3E}">
-        <p14:creationId xmlns:p14="http://schemas.microsoft.com/office/powerpoint/2010/main" val="763798095"/>
+        <p14:creationId xmlns:p14="http://schemas.microsoft.com/office/powerpoint/2010/main" val="4044102278"/>
       </p:ext>
     </p:extLst>
   </p:cSld>

--- a/Présentation1.pptx
+++ b/Présentation1.pptx
@@ -10,7 +10,8 @@
     <p:sldId id="259" r:id="rId4"/>
     <p:sldId id="294" r:id="rId5"/>
     <p:sldId id="295" r:id="rId6"/>
-    <p:sldId id="296" r:id="rId7"/>
+    <p:sldId id="297" r:id="rId7"/>
+    <p:sldId id="296" r:id="rId8"/>
   </p:sldIdLst>
   <p:sldSz cx="12192000" cy="6858000"/>
   <p:notesSz cx="6858000" cy="9144000"/>
@@ -119,6 +120,7 @@
             <p14:sldId id="259"/>
             <p14:sldId id="294"/>
             <p14:sldId id="295"/>
+            <p14:sldId id="297"/>
           </p14:sldIdLst>
         </p14:section>
         <p14:section name="Section sans titre" id="{C053562E-17FE-48E5-8D93-2DAC44172C1B}">
@@ -266,7 +268,7 @@
           <a:p>
             <a:fld id="{1FC9E3A4-5045-49C9-9CDF-25C2D5A049AC}" type="datetimeFigureOut">
               <a:rPr lang="fr-FR" smtClean="0"/>
-              <a:t>06/04/2018</a:t>
+              <a:t>09/04/2018</a:t>
             </a:fld>
             <a:endParaRPr lang="fr-FR"/>
           </a:p>
@@ -436,7 +438,7 @@
           <a:p>
             <a:fld id="{1FC9E3A4-5045-49C9-9CDF-25C2D5A049AC}" type="datetimeFigureOut">
               <a:rPr lang="fr-FR" smtClean="0"/>
-              <a:t>06/04/2018</a:t>
+              <a:t>09/04/2018</a:t>
             </a:fld>
             <a:endParaRPr lang="fr-FR"/>
           </a:p>
@@ -616,7 +618,7 @@
           <a:p>
             <a:fld id="{1FC9E3A4-5045-49C9-9CDF-25C2D5A049AC}" type="datetimeFigureOut">
               <a:rPr lang="fr-FR" smtClean="0"/>
-              <a:t>06/04/2018</a:t>
+              <a:t>09/04/2018</a:t>
             </a:fld>
             <a:endParaRPr lang="fr-FR"/>
           </a:p>
@@ -786,7 +788,7 @@
           <a:p>
             <a:fld id="{1FC9E3A4-5045-49C9-9CDF-25C2D5A049AC}" type="datetimeFigureOut">
               <a:rPr lang="fr-FR" smtClean="0"/>
-              <a:t>06/04/2018</a:t>
+              <a:t>09/04/2018</a:t>
             </a:fld>
             <a:endParaRPr lang="fr-FR"/>
           </a:p>
@@ -1032,7 +1034,7 @@
           <a:p>
             <a:fld id="{1FC9E3A4-5045-49C9-9CDF-25C2D5A049AC}" type="datetimeFigureOut">
               <a:rPr lang="fr-FR" smtClean="0"/>
-              <a:t>06/04/2018</a:t>
+              <a:t>09/04/2018</a:t>
             </a:fld>
             <a:endParaRPr lang="fr-FR"/>
           </a:p>
@@ -1264,7 +1266,7 @@
           <a:p>
             <a:fld id="{1FC9E3A4-5045-49C9-9CDF-25C2D5A049AC}" type="datetimeFigureOut">
               <a:rPr lang="fr-FR" smtClean="0"/>
-              <a:t>06/04/2018</a:t>
+              <a:t>09/04/2018</a:t>
             </a:fld>
             <a:endParaRPr lang="fr-FR"/>
           </a:p>
@@ -1631,7 +1633,7 @@
           <a:p>
             <a:fld id="{1FC9E3A4-5045-49C9-9CDF-25C2D5A049AC}" type="datetimeFigureOut">
               <a:rPr lang="fr-FR" smtClean="0"/>
-              <a:t>06/04/2018</a:t>
+              <a:t>09/04/2018</a:t>
             </a:fld>
             <a:endParaRPr lang="fr-FR"/>
           </a:p>
@@ -1749,7 +1751,7 @@
           <a:p>
             <a:fld id="{1FC9E3A4-5045-49C9-9CDF-25C2D5A049AC}" type="datetimeFigureOut">
               <a:rPr lang="fr-FR" smtClean="0"/>
-              <a:t>06/04/2018</a:t>
+              <a:t>09/04/2018</a:t>
             </a:fld>
             <a:endParaRPr lang="fr-FR"/>
           </a:p>
@@ -1844,7 +1846,7 @@
           <a:p>
             <a:fld id="{1FC9E3A4-5045-49C9-9CDF-25C2D5A049AC}" type="datetimeFigureOut">
               <a:rPr lang="fr-FR" smtClean="0"/>
-              <a:t>06/04/2018</a:t>
+              <a:t>09/04/2018</a:t>
             </a:fld>
             <a:endParaRPr lang="fr-FR"/>
           </a:p>
@@ -2121,7 +2123,7 @@
           <a:p>
             <a:fld id="{1FC9E3A4-5045-49C9-9CDF-25C2D5A049AC}" type="datetimeFigureOut">
               <a:rPr lang="fr-FR" smtClean="0"/>
-              <a:t>06/04/2018</a:t>
+              <a:t>09/04/2018</a:t>
             </a:fld>
             <a:endParaRPr lang="fr-FR"/>
           </a:p>
@@ -2374,7 +2376,7 @@
           <a:p>
             <a:fld id="{1FC9E3A4-5045-49C9-9CDF-25C2D5A049AC}" type="datetimeFigureOut">
               <a:rPr lang="fr-FR" smtClean="0"/>
-              <a:t>06/04/2018</a:t>
+              <a:t>09/04/2018</a:t>
             </a:fld>
             <a:endParaRPr lang="fr-FR"/>
           </a:p>
@@ -2587,7 +2589,7 @@
           <a:p>
             <a:fld id="{1FC9E3A4-5045-49C9-9CDF-25C2D5A049AC}" type="datetimeFigureOut">
               <a:rPr lang="fr-FR" smtClean="0"/>
-              <a:t>06/04/2018</a:t>
+              <a:t>09/04/2018</a:t>
             </a:fld>
             <a:endParaRPr lang="fr-FR"/>
           </a:p>
@@ -3250,8 +3252,13 @@
           <a:p>
             <a:r>
               <a:rPr lang="fr-FR" dirty="0" smtClean="0"/>
-              <a:t>Chemin :  ../accueil.html</a:t>
-            </a:r>
+              <a:t>Chemin :  ../</a:t>
+            </a:r>
+            <a:r>
+              <a:rPr lang="fr-FR" dirty="0" err="1" smtClean="0"/>
+              <a:t>accueil.xhtml</a:t>
+            </a:r>
+            <a:endParaRPr lang="fr-FR" dirty="0" smtClean="0"/>
           </a:p>
           <a:p>
             <a:endParaRPr lang="fr-FR" dirty="0"/>
@@ -3892,8 +3899,17 @@
           <a:p>
             <a:r>
               <a:rPr lang="fr-FR" dirty="0" smtClean="0"/>
-              <a:t>Chemin : ../terrains/terrains.html</a:t>
-            </a:r>
+              <a:t>Chemin : ../</a:t>
+            </a:r>
+            <a:r>
+              <a:rPr lang="fr-FR" dirty="0" smtClean="0"/>
+              <a:t>terrains/</a:t>
+            </a:r>
+            <a:r>
+              <a:rPr lang="fr-FR" dirty="0" err="1" smtClean="0"/>
+              <a:t>terrains.xhtml</a:t>
+            </a:r>
+            <a:endParaRPr lang="fr-FR" dirty="0" smtClean="0"/>
           </a:p>
           <a:p>
             <a:endParaRPr lang="fr-FR" dirty="0"/>
@@ -3955,12 +3971,8 @@
               <a:t>, </a:t>
             </a:r>
             <a:r>
-              <a:rPr lang="fr-FR" dirty="0" smtClean="0"/>
-              <a:t>détailTerrain</a:t>
-            </a:r>
-            <a:r>
-              <a:rPr lang="fr-FR" dirty="0" smtClean="0"/>
-              <a:t>.html</a:t>
+              <a:rPr lang="fr-FR" dirty="0" err="1" smtClean="0"/>
+              <a:t>détailTerrain.xhtml</a:t>
             </a:r>
             <a:endParaRPr lang="fr-FR" dirty="0" smtClean="0"/>
           </a:p>
@@ -5192,6 +5204,41 @@
           </a:p>
         </p:txBody>
       </p:sp>
+      <p:sp>
+        <p:nvSpPr>
+          <p:cNvPr id="24" name="ZoneTexte 23"/>
+          <p:cNvSpPr txBox="1"/>
+          <p:nvPr/>
+        </p:nvSpPr>
+        <p:spPr>
+          <a:xfrm>
+            <a:off x="4638018" y="3455032"/>
+            <a:ext cx="691980" cy="215444"/>
+          </a:xfrm>
+          <a:prstGeom prst="rect">
+            <a:avLst/>
+          </a:prstGeom>
+          <a:noFill/>
+          <a:ln>
+            <a:solidFill>
+              <a:schemeClr val="tx1"/>
+            </a:solidFill>
+          </a:ln>
+        </p:spPr>
+        <p:txBody>
+          <a:bodyPr wrap="square" rtlCol="0">
+            <a:spAutoFit/>
+          </a:bodyPr>
+          <a:lstStyle/>
+          <a:p>
+            <a:r>
+              <a:rPr lang="fr-FR" sz="800" dirty="0" smtClean="0"/>
+              <a:t>ID terrain</a:t>
+            </a:r>
+            <a:endParaRPr lang="fr-FR" sz="700" dirty="0"/>
+          </a:p>
+        </p:txBody>
+      </p:sp>
     </p:spTree>
     <p:extLst>
       <p:ext uri="{BB962C8B-B14F-4D97-AF65-F5344CB8AC3E}">
@@ -5428,7 +5475,11 @@
             </a:r>
             <a:r>
               <a:rPr lang="fr-FR" dirty="0" smtClean="0"/>
-              <a:t>terrains/ajouterTerrain.html</a:t>
+              <a:t>terrains/</a:t>
+            </a:r>
+            <a:r>
+              <a:rPr lang="fr-FR" dirty="0" err="1" smtClean="0"/>
+              <a:t>ajouterTerrain.xhtml</a:t>
             </a:r>
             <a:endParaRPr lang="fr-FR" dirty="0" smtClean="0"/>
           </a:p>
@@ -5438,13 +5489,8 @@
           <a:p>
             <a:r>
               <a:rPr lang="fr-FR" dirty="0" smtClean="0"/>
-              <a:t>Description </a:t>
-            </a:r>
-            <a:r>
-              <a:rPr lang="fr-FR" dirty="0" smtClean="0"/>
-              <a:t>: Cette page permet de créer un terrain unique communautaire ou privé</a:t>
-            </a:r>
-            <a:endParaRPr lang="fr-FR" dirty="0" smtClean="0"/>
+              <a:t>Description : Cette page permet de créer un terrain unique communautaire ou privé</a:t>
+            </a:r>
           </a:p>
           <a:p>
             <a:endParaRPr lang="fr-FR" dirty="0"/>
@@ -5460,27 +5506,17 @@
             </a:r>
             <a:r>
               <a:rPr lang="fr-FR" dirty="0" smtClean="0"/>
-              <a:t>: </a:t>
-            </a:r>
+              <a:t>: Créer (communautaire), Créer (privé)</a:t>
+            </a:r>
+          </a:p>
+          <a:p>
+            <a:endParaRPr lang="fr-FR" dirty="0" smtClean="0"/>
+          </a:p>
+          <a:p>
             <a:r>
               <a:rPr lang="fr-FR" dirty="0" smtClean="0"/>
-              <a:t>Créer (communautaire), Créer (privé)</a:t>
-            </a:r>
-            <a:endParaRPr lang="fr-FR" dirty="0" smtClean="0"/>
-          </a:p>
-          <a:p>
-            <a:endParaRPr lang="fr-FR" dirty="0" smtClean="0"/>
-          </a:p>
-          <a:p>
-            <a:r>
-              <a:rPr lang="fr-FR" dirty="0" smtClean="0"/>
-              <a:t>Actions : </a:t>
-            </a:r>
-            <a:r>
-              <a:rPr lang="fr-FR" dirty="0" smtClean="0"/>
-              <a:t>Créer un terrain communautaire, créer un terrain privé</a:t>
-            </a:r>
-            <a:endParaRPr lang="fr-FR" dirty="0" smtClean="0"/>
+              <a:t>Actions : Créer un terrain communautaire, créer un terrain privé</a:t>
+            </a:r>
           </a:p>
           <a:p>
             <a:endParaRPr lang="fr-FR" dirty="0"/>
@@ -5491,8 +5527,8 @@
               <a:t>Accessible par : </a:t>
             </a:r>
             <a:r>
-              <a:rPr lang="fr-FR" dirty="0" smtClean="0"/>
-              <a:t>terrain.html</a:t>
+              <a:rPr lang="fr-FR" dirty="0" err="1" smtClean="0"/>
+              <a:t>terrain.xhtml</a:t>
             </a:r>
             <a:endParaRPr lang="fr-FR" dirty="0" smtClean="0"/>
           </a:p>
@@ -6100,8 +6136,8 @@
         </p:nvSpPr>
         <p:spPr>
           <a:xfrm>
-            <a:off x="7327557" y="667265"/>
-            <a:ext cx="3484605" cy="369332"/>
+            <a:off x="7067007" y="667265"/>
+            <a:ext cx="4005706" cy="369332"/>
           </a:xfrm>
           <a:prstGeom prst="rect">
             <a:avLst/>
@@ -6117,7 +6153,11 @@
             <a:pPr algn="ctr"/>
             <a:r>
               <a:rPr lang="fr-FR" dirty="0" smtClean="0"/>
-              <a:t>AJOUTER UN GROUPE DE TERRAIN</a:t>
+              <a:t>AJOUTER UN GROUPE DE </a:t>
+            </a:r>
+            <a:r>
+              <a:rPr lang="fr-FR" dirty="0" smtClean="0"/>
+              <a:t>TERRAINS</a:t>
             </a:r>
             <a:endParaRPr lang="fr-FR" dirty="0"/>
           </a:p>
@@ -6151,7 +6191,11 @@
             <a:pPr algn="ctr"/>
             <a:r>
               <a:rPr lang="fr-FR" sz="1200" dirty="0" smtClean="0"/>
-              <a:t>AJOUTER UN GROUPE DE TERRAIN</a:t>
+              <a:t>AJOUTER UN GROUPE DE </a:t>
+            </a:r>
+            <a:r>
+              <a:rPr lang="fr-FR" sz="1200" dirty="0" smtClean="0"/>
+              <a:t>TERRAINS</a:t>
             </a:r>
             <a:endParaRPr lang="fr-FR" sz="1200" dirty="0"/>
           </a:p>
@@ -6595,7 +6639,11 @@
             </a:r>
             <a:r>
               <a:rPr lang="fr-FR" dirty="0" smtClean="0"/>
-              <a:t>terrains/ajouterGroupeTerrains.html</a:t>
+              <a:t>terrains/</a:t>
+            </a:r>
+            <a:r>
+              <a:rPr lang="fr-FR" dirty="0" err="1" smtClean="0"/>
+              <a:t>ajouterGroupeTerrains.xhtml</a:t>
             </a:r>
             <a:endParaRPr lang="fr-FR" dirty="0" smtClean="0"/>
           </a:p>
@@ -6605,13 +6653,8 @@
           <a:p>
             <a:r>
               <a:rPr lang="fr-FR" dirty="0" smtClean="0"/>
-              <a:t>Description </a:t>
-            </a:r>
-            <a:r>
-              <a:rPr lang="fr-FR" dirty="0" smtClean="0"/>
-              <a:t>: Cette page permet de créer un groupe  de terrains communautaires ou privés</a:t>
-            </a:r>
-            <a:endParaRPr lang="fr-FR" dirty="0" smtClean="0"/>
+              <a:t>Description : Cette page permet de créer un groupe  de terrains communautaires ou privés</a:t>
+            </a:r>
           </a:p>
           <a:p>
             <a:endParaRPr lang="fr-FR" dirty="0"/>
@@ -6627,27 +6670,17 @@
             </a:r>
             <a:r>
               <a:rPr lang="fr-FR" dirty="0" smtClean="0"/>
-              <a:t>: </a:t>
-            </a:r>
+              <a:t>: Créer (communautaire), Créer (privé)</a:t>
+            </a:r>
+          </a:p>
+          <a:p>
+            <a:endParaRPr lang="fr-FR" dirty="0" smtClean="0"/>
+          </a:p>
+          <a:p>
             <a:r>
               <a:rPr lang="fr-FR" dirty="0" smtClean="0"/>
-              <a:t>Créer (communautaire), Créer (privé)</a:t>
-            </a:r>
-            <a:endParaRPr lang="fr-FR" dirty="0" smtClean="0"/>
-          </a:p>
-          <a:p>
-            <a:endParaRPr lang="fr-FR" dirty="0" smtClean="0"/>
-          </a:p>
-          <a:p>
-            <a:r>
-              <a:rPr lang="fr-FR" dirty="0" smtClean="0"/>
-              <a:t>Actions : </a:t>
-            </a:r>
-            <a:r>
-              <a:rPr lang="fr-FR" dirty="0" smtClean="0"/>
-              <a:t>Créer un groupe de terrains communautaires, créer un groupe de terrains privés</a:t>
-            </a:r>
-            <a:endParaRPr lang="fr-FR" dirty="0" smtClean="0"/>
+              <a:t>Actions : Créer un groupe de terrains communautaires, créer un groupe de terrains privés</a:t>
+            </a:r>
           </a:p>
           <a:p>
             <a:endParaRPr lang="fr-FR" dirty="0"/>
@@ -6658,8 +6691,8 @@
               <a:t>Accessible par : </a:t>
             </a:r>
             <a:r>
-              <a:rPr lang="fr-FR" dirty="0" smtClean="0"/>
-              <a:t>terrain.html</a:t>
+              <a:rPr lang="fr-FR" dirty="0" err="1" smtClean="0"/>
+              <a:t>terrain.xhtml</a:t>
             </a:r>
             <a:endParaRPr lang="fr-FR" dirty="0" smtClean="0"/>
           </a:p>
@@ -6679,6 +6712,788 @@
 </file>
 
 <file path=ppt/slides/slide6.xml><?xml version="1.0" encoding="utf-8"?>
+<p:sld xmlns:a="http://schemas.openxmlformats.org/drawingml/2006/main" xmlns:r="http://schemas.openxmlformats.org/officeDocument/2006/relationships" xmlns:p="http://schemas.openxmlformats.org/presentationml/2006/main">
+  <p:cSld>
+    <p:spTree>
+      <p:nvGrpSpPr>
+        <p:cNvPr id="1" name=""/>
+        <p:cNvGrpSpPr/>
+        <p:nvPr/>
+      </p:nvGrpSpPr>
+      <p:grpSpPr>
+        <a:xfrm>
+          <a:off x="0" y="0"/>
+          <a:ext cx="0" cy="0"/>
+          <a:chOff x="0" y="0"/>
+          <a:chExt cx="0" cy="0"/>
+        </a:xfrm>
+      </p:grpSpPr>
+      <p:sp>
+        <p:nvSpPr>
+          <p:cNvPr id="4" name="Rectangle 3"/>
+          <p:cNvSpPr/>
+          <p:nvPr/>
+        </p:nvSpPr>
+        <p:spPr>
+          <a:xfrm>
+            <a:off x="1322173" y="383059"/>
+            <a:ext cx="4324865" cy="6104238"/>
+          </a:xfrm>
+          <a:prstGeom prst="rect">
+            <a:avLst/>
+          </a:prstGeom>
+          <a:solidFill>
+            <a:schemeClr val="bg1">
+              <a:lumMod val="65000"/>
+            </a:schemeClr>
+          </a:solidFill>
+        </p:spPr>
+        <p:style>
+          <a:lnRef idx="2">
+            <a:schemeClr val="accent1">
+              <a:shade val="50000"/>
+            </a:schemeClr>
+          </a:lnRef>
+          <a:fillRef idx="1">
+            <a:schemeClr val="accent1"/>
+          </a:fillRef>
+          <a:effectRef idx="0">
+            <a:schemeClr val="accent1"/>
+          </a:effectRef>
+          <a:fontRef idx="minor">
+            <a:schemeClr val="lt1"/>
+          </a:fontRef>
+        </p:style>
+        <p:txBody>
+          <a:bodyPr rtlCol="0" anchor="ctr"/>
+          <a:lstStyle/>
+          <a:p>
+            <a:pPr algn="ctr"/>
+            <a:endParaRPr lang="fr-FR"/>
+          </a:p>
+        </p:txBody>
+      </p:sp>
+      <p:sp>
+        <p:nvSpPr>
+          <p:cNvPr id="2" name="Rectangle 1"/>
+          <p:cNvSpPr/>
+          <p:nvPr/>
+        </p:nvSpPr>
+        <p:spPr>
+          <a:xfrm>
+            <a:off x="1322173" y="383059"/>
+            <a:ext cx="4324865" cy="370703"/>
+          </a:xfrm>
+          <a:prstGeom prst="rect">
+            <a:avLst/>
+          </a:prstGeom>
+          <a:solidFill>
+            <a:schemeClr val="bg1"/>
+          </a:solidFill>
+        </p:spPr>
+        <p:style>
+          <a:lnRef idx="2">
+            <a:schemeClr val="accent1">
+              <a:shade val="50000"/>
+            </a:schemeClr>
+          </a:lnRef>
+          <a:fillRef idx="1">
+            <a:schemeClr val="accent1"/>
+          </a:fillRef>
+          <a:effectRef idx="0">
+            <a:schemeClr val="accent1"/>
+          </a:effectRef>
+          <a:fontRef idx="minor">
+            <a:schemeClr val="lt1"/>
+          </a:fontRef>
+        </p:style>
+        <p:txBody>
+          <a:bodyPr rtlCol="0" anchor="ctr"/>
+          <a:lstStyle/>
+          <a:p>
+            <a:pPr algn="ctr"/>
+            <a:r>
+              <a:rPr lang="fr-FR" dirty="0" smtClean="0">
+                <a:solidFill>
+                  <a:sysClr val="windowText" lastClr="000000"/>
+                </a:solidFill>
+              </a:rPr>
+              <a:t>NAV BAR</a:t>
+            </a:r>
+            <a:endParaRPr lang="fr-FR" dirty="0">
+              <a:solidFill>
+                <a:sysClr val="windowText" lastClr="000000"/>
+              </a:solidFill>
+            </a:endParaRPr>
+          </a:p>
+        </p:txBody>
+      </p:sp>
+      <p:sp>
+        <p:nvSpPr>
+          <p:cNvPr id="3" name="Rectangle 2"/>
+          <p:cNvSpPr/>
+          <p:nvPr/>
+        </p:nvSpPr>
+        <p:spPr>
+          <a:xfrm>
+            <a:off x="1495168" y="926757"/>
+            <a:ext cx="3978875" cy="5399902"/>
+          </a:xfrm>
+          <a:prstGeom prst="rect">
+            <a:avLst/>
+          </a:prstGeom>
+          <a:solidFill>
+            <a:schemeClr val="bg1"/>
+          </a:solidFill>
+        </p:spPr>
+        <p:style>
+          <a:lnRef idx="2">
+            <a:schemeClr val="accent1">
+              <a:shade val="50000"/>
+            </a:schemeClr>
+          </a:lnRef>
+          <a:fillRef idx="1">
+            <a:schemeClr val="accent1"/>
+          </a:fillRef>
+          <a:effectRef idx="0">
+            <a:schemeClr val="accent1"/>
+          </a:effectRef>
+          <a:fontRef idx="minor">
+            <a:schemeClr val="lt1"/>
+          </a:fontRef>
+        </p:style>
+        <p:txBody>
+          <a:bodyPr rtlCol="0" anchor="ctr"/>
+          <a:lstStyle/>
+          <a:p>
+            <a:pPr algn="ctr"/>
+            <a:endParaRPr lang="fr-FR"/>
+          </a:p>
+        </p:txBody>
+      </p:sp>
+      <p:sp>
+        <p:nvSpPr>
+          <p:cNvPr id="5" name="ZoneTexte 4"/>
+          <p:cNvSpPr txBox="1"/>
+          <p:nvPr/>
+        </p:nvSpPr>
+        <p:spPr>
+          <a:xfrm>
+            <a:off x="7327557" y="667265"/>
+            <a:ext cx="3484605" cy="369332"/>
+          </a:xfrm>
+          <a:prstGeom prst="rect">
+            <a:avLst/>
+          </a:prstGeom>
+          <a:noFill/>
+        </p:spPr>
+        <p:txBody>
+          <a:bodyPr wrap="square" rtlCol="0">
+            <a:spAutoFit/>
+          </a:bodyPr>
+          <a:lstStyle/>
+          <a:p>
+            <a:pPr algn="ctr"/>
+            <a:r>
+              <a:rPr lang="fr-FR" dirty="0" smtClean="0"/>
+              <a:t>CLONER UN TERRAIN</a:t>
+            </a:r>
+            <a:endParaRPr lang="fr-FR" dirty="0"/>
+          </a:p>
+        </p:txBody>
+      </p:sp>
+      <p:sp>
+        <p:nvSpPr>
+          <p:cNvPr id="7" name="ZoneTexte 6"/>
+          <p:cNvSpPr txBox="1"/>
+          <p:nvPr/>
+        </p:nvSpPr>
+        <p:spPr>
+          <a:xfrm>
+            <a:off x="2224216" y="1036597"/>
+            <a:ext cx="2520780" cy="276999"/>
+          </a:xfrm>
+          <a:prstGeom prst="rect">
+            <a:avLst/>
+          </a:prstGeom>
+          <a:noFill/>
+          <a:ln>
+            <a:noFill/>
+          </a:ln>
+        </p:spPr>
+        <p:txBody>
+          <a:bodyPr wrap="square" rtlCol="0">
+            <a:spAutoFit/>
+          </a:bodyPr>
+          <a:lstStyle/>
+          <a:p>
+            <a:pPr algn="ctr"/>
+            <a:r>
+              <a:rPr lang="fr-FR" sz="1200" dirty="0" smtClean="0"/>
+              <a:t>CLONER UN TERRAIN</a:t>
+            </a:r>
+            <a:endParaRPr lang="fr-FR" sz="1200" dirty="0"/>
+          </a:p>
+        </p:txBody>
+      </p:sp>
+      <p:cxnSp>
+        <p:nvCxnSpPr>
+          <p:cNvPr id="9" name="Connecteur droit 8"/>
+          <p:cNvCxnSpPr/>
+          <p:nvPr/>
+        </p:nvCxnSpPr>
+        <p:spPr>
+          <a:xfrm>
+            <a:off x="1890583" y="1313597"/>
+            <a:ext cx="3212757" cy="0"/>
+          </a:xfrm>
+          <a:prstGeom prst="line">
+            <a:avLst/>
+          </a:prstGeom>
+          <a:ln>
+            <a:solidFill>
+              <a:schemeClr val="bg1">
+                <a:lumMod val="85000"/>
+              </a:schemeClr>
+            </a:solidFill>
+          </a:ln>
+        </p:spPr>
+        <p:style>
+          <a:lnRef idx="1">
+            <a:schemeClr val="dk1"/>
+          </a:lnRef>
+          <a:fillRef idx="0">
+            <a:schemeClr val="dk1"/>
+          </a:fillRef>
+          <a:effectRef idx="0">
+            <a:schemeClr val="dk1"/>
+          </a:effectRef>
+          <a:fontRef idx="minor">
+            <a:schemeClr val="tx1"/>
+          </a:fontRef>
+        </p:style>
+      </p:cxnSp>
+      <p:graphicFrame>
+        <p:nvGraphicFramePr>
+          <p:cNvPr id="10" name="Tableau 9"/>
+          <p:cNvGraphicFramePr>
+            <a:graphicFrameLocks noGrp="1"/>
+          </p:cNvGraphicFramePr>
+          <p:nvPr>
+            <p:extLst>
+              <p:ext uri="{D42A27DB-BD31-4B8C-83A1-F6EECF244321}">
+                <p14:modId xmlns:p14="http://schemas.microsoft.com/office/powerpoint/2010/main" val="3730611838"/>
+              </p:ext>
+            </p:extLst>
+          </p:nvPr>
+        </p:nvGraphicFramePr>
+        <p:xfrm>
+          <a:off x="1727200" y="1515016"/>
+          <a:ext cx="1625600" cy="216000"/>
+        </p:xfrm>
+        <a:graphic>
+          <a:graphicData uri="http://schemas.openxmlformats.org/drawingml/2006/table">
+            <a:tbl>
+              <a:tblPr firstRow="1" bandRow="1">
+                <a:tableStyleId>{5940675A-B579-460E-94D1-54222C63F5DA}</a:tableStyleId>
+              </a:tblPr>
+              <a:tblGrid>
+                <a:gridCol w="812800">
+                  <a:extLst>
+                    <a:ext uri="{9D8B030D-6E8A-4147-A177-3AD203B41FA5}">
+                      <a16:colId xmlns:a16="http://schemas.microsoft.com/office/drawing/2014/main" val="2870765883"/>
+                    </a:ext>
+                  </a:extLst>
+                </a:gridCol>
+                <a:gridCol w="812800">
+                  <a:extLst>
+                    <a:ext uri="{9D8B030D-6E8A-4147-A177-3AD203B41FA5}">
+                      <a16:colId xmlns:a16="http://schemas.microsoft.com/office/drawing/2014/main" val="3670394519"/>
+                    </a:ext>
+                  </a:extLst>
+                </a:gridCol>
+              </a:tblGrid>
+              <a:tr h="216000">
+                <a:tc>
+                  <a:txBody>
+                    <a:bodyPr/>
+                    <a:lstStyle/>
+                    <a:p>
+                      <a:pPr algn="ctr"/>
+                      <a:r>
+                        <a:rPr lang="fr-FR" sz="700" dirty="0" smtClean="0"/>
+                        <a:t>Communautaire</a:t>
+                      </a:r>
+                      <a:endParaRPr lang="fr-FR" sz="700" dirty="0"/>
+                    </a:p>
+                  </a:txBody>
+                  <a:tcPr/>
+                </a:tc>
+                <a:tc>
+                  <a:txBody>
+                    <a:bodyPr/>
+                    <a:lstStyle/>
+                    <a:p>
+                      <a:pPr algn="ctr"/>
+                      <a:r>
+                        <a:rPr lang="fr-FR" sz="700" dirty="0" smtClean="0"/>
+                        <a:t>Privé</a:t>
+                      </a:r>
+                      <a:endParaRPr lang="fr-FR" sz="700" dirty="0"/>
+                    </a:p>
+                  </a:txBody>
+                  <a:tcPr/>
+                </a:tc>
+                <a:extLst>
+                  <a:ext uri="{0D108BD9-81ED-4DB2-BD59-A6C34878D82A}">
+                    <a16:rowId xmlns:a16="http://schemas.microsoft.com/office/drawing/2014/main" val="2950516704"/>
+                  </a:ext>
+                </a:extLst>
+              </a:tr>
+            </a:tbl>
+          </a:graphicData>
+        </a:graphic>
+      </p:graphicFrame>
+      <p:sp>
+        <p:nvSpPr>
+          <p:cNvPr id="11" name="Rectangle 10"/>
+          <p:cNvSpPr/>
+          <p:nvPr/>
+        </p:nvSpPr>
+        <p:spPr>
+          <a:xfrm>
+            <a:off x="1717590" y="1725149"/>
+            <a:ext cx="3534030" cy="4329661"/>
+          </a:xfrm>
+          <a:prstGeom prst="rect">
+            <a:avLst/>
+          </a:prstGeom>
+          <a:noFill/>
+        </p:spPr>
+        <p:style>
+          <a:lnRef idx="2">
+            <a:schemeClr val="accent1">
+              <a:shade val="50000"/>
+            </a:schemeClr>
+          </a:lnRef>
+          <a:fillRef idx="1">
+            <a:schemeClr val="accent1"/>
+          </a:fillRef>
+          <a:effectRef idx="0">
+            <a:schemeClr val="accent1"/>
+          </a:effectRef>
+          <a:fontRef idx="minor">
+            <a:schemeClr val="lt1"/>
+          </a:fontRef>
+        </p:style>
+        <p:txBody>
+          <a:bodyPr rtlCol="0" anchor="ctr"/>
+          <a:lstStyle/>
+          <a:p>
+            <a:pPr algn="ctr"/>
+            <a:r>
+              <a:rPr lang="fr-FR" sz="800" dirty="0" smtClean="0">
+                <a:solidFill>
+                  <a:schemeClr val="tx1"/>
+                </a:solidFill>
+              </a:rPr>
+              <a:t>Formulaire de création </a:t>
+            </a:r>
+            <a:r>
+              <a:rPr lang="fr-FR" sz="800" dirty="0" smtClean="0">
+                <a:solidFill>
+                  <a:schemeClr val="tx1"/>
+                </a:solidFill>
+              </a:rPr>
+              <a:t>: </a:t>
+            </a:r>
+          </a:p>
+          <a:p>
+            <a:pPr algn="ctr"/>
+            <a:r>
+              <a:rPr lang="fr-FR" sz="800" dirty="0" smtClean="0">
+                <a:solidFill>
+                  <a:schemeClr val="tx1"/>
+                </a:solidFill>
+              </a:rPr>
+              <a:t>ID : &lt;ID&gt;</a:t>
+            </a:r>
+            <a:endParaRPr lang="fr-FR" sz="800" dirty="0" smtClean="0">
+              <a:solidFill>
+                <a:schemeClr val="tx1"/>
+              </a:solidFill>
+            </a:endParaRPr>
+          </a:p>
+          <a:p>
+            <a:pPr algn="ctr"/>
+            <a:endParaRPr lang="fr-FR" sz="800" dirty="0">
+              <a:solidFill>
+                <a:schemeClr val="tx1"/>
+              </a:solidFill>
+            </a:endParaRPr>
+          </a:p>
+          <a:p>
+            <a:pPr algn="ctr"/>
+            <a:r>
+              <a:rPr lang="fr-FR" sz="800" dirty="0" smtClean="0">
+                <a:solidFill>
+                  <a:schemeClr val="tx1"/>
+                </a:solidFill>
+              </a:rPr>
+              <a:t>Libelle</a:t>
+            </a:r>
+          </a:p>
+          <a:p>
+            <a:pPr algn="ctr"/>
+            <a:r>
+              <a:rPr lang="fr-FR" sz="800" dirty="0" smtClean="0">
+                <a:solidFill>
+                  <a:schemeClr val="tx1"/>
+                </a:solidFill>
+              </a:rPr>
+              <a:t>Type</a:t>
+            </a:r>
+          </a:p>
+          <a:p>
+            <a:pPr algn="ctr"/>
+            <a:r>
+              <a:rPr lang="fr-FR" sz="800" dirty="0" smtClean="0">
+                <a:solidFill>
+                  <a:schemeClr val="tx1"/>
+                </a:solidFill>
+              </a:rPr>
+              <a:t>Adresse</a:t>
+            </a:r>
+          </a:p>
+          <a:p>
+            <a:pPr algn="ctr"/>
+            <a:r>
+              <a:rPr lang="fr-FR" sz="800" dirty="0" smtClean="0">
+                <a:solidFill>
+                  <a:schemeClr val="tx1"/>
+                </a:solidFill>
+              </a:rPr>
+              <a:t>Lieu dit</a:t>
+            </a:r>
+          </a:p>
+          <a:p>
+            <a:pPr algn="ctr"/>
+            <a:r>
+              <a:rPr lang="fr-FR" sz="800" dirty="0" smtClean="0">
+                <a:solidFill>
+                  <a:schemeClr val="tx1"/>
+                </a:solidFill>
+              </a:rPr>
+              <a:t>Quartier</a:t>
+            </a:r>
+          </a:p>
+          <a:p>
+            <a:pPr algn="ctr"/>
+            <a:endParaRPr lang="fr-FR" sz="800" dirty="0">
+              <a:solidFill>
+                <a:schemeClr val="tx1"/>
+              </a:solidFill>
+            </a:endParaRPr>
+          </a:p>
+          <a:p>
+            <a:pPr algn="ctr"/>
+            <a:r>
+              <a:rPr lang="fr-FR" sz="800" dirty="0" smtClean="0">
+                <a:solidFill>
+                  <a:schemeClr val="tx1"/>
+                </a:solidFill>
+              </a:rPr>
+              <a:t>Pour communautaire</a:t>
+            </a:r>
+          </a:p>
+          <a:p>
+            <a:pPr algn="ctr"/>
+            <a:r>
+              <a:rPr lang="fr-FR" sz="800" dirty="0" smtClean="0">
+                <a:solidFill>
+                  <a:schemeClr val="tx1"/>
+                </a:solidFill>
+              </a:rPr>
+              <a:t>Fonction</a:t>
+            </a:r>
+          </a:p>
+          <a:p>
+            <a:pPr algn="ctr"/>
+            <a:r>
+              <a:rPr lang="fr-FR" sz="800" dirty="0" smtClean="0">
+                <a:solidFill>
+                  <a:schemeClr val="tx1"/>
+                </a:solidFill>
+              </a:rPr>
+              <a:t>RH</a:t>
+            </a:r>
+          </a:p>
+          <a:p>
+            <a:pPr algn="ctr"/>
+            <a:endParaRPr lang="fr-FR" sz="800" dirty="0">
+              <a:solidFill>
+                <a:schemeClr val="tx1"/>
+              </a:solidFill>
+            </a:endParaRPr>
+          </a:p>
+          <a:p>
+            <a:pPr algn="ctr"/>
+            <a:r>
+              <a:rPr lang="fr-FR" sz="800" dirty="0" smtClean="0">
+                <a:solidFill>
+                  <a:schemeClr val="tx1"/>
+                </a:solidFill>
+              </a:rPr>
+              <a:t>Pour privé</a:t>
+            </a:r>
+          </a:p>
+          <a:p>
+            <a:pPr algn="ctr"/>
+            <a:r>
+              <a:rPr lang="fr-FR" sz="800" dirty="0" smtClean="0">
+                <a:solidFill>
+                  <a:schemeClr val="tx1"/>
+                </a:solidFill>
+              </a:rPr>
+              <a:t>Classe</a:t>
+            </a:r>
+          </a:p>
+          <a:p>
+            <a:pPr algn="ctr"/>
+            <a:r>
+              <a:rPr lang="fr-FR" sz="800" dirty="0" smtClean="0">
+                <a:solidFill>
+                  <a:schemeClr val="tx1"/>
+                </a:solidFill>
+              </a:rPr>
+              <a:t>Groupe</a:t>
+            </a:r>
+          </a:p>
+          <a:p>
+            <a:pPr algn="ctr"/>
+            <a:r>
+              <a:rPr lang="fr-FR" sz="800" dirty="0" smtClean="0">
+                <a:solidFill>
+                  <a:schemeClr val="tx1"/>
+                </a:solidFill>
+              </a:rPr>
+              <a:t>Préconstruit</a:t>
+            </a:r>
+          </a:p>
+          <a:p>
+            <a:pPr algn="ctr"/>
+            <a:endParaRPr lang="fr-FR" sz="800" dirty="0">
+              <a:solidFill>
+                <a:schemeClr val="tx1"/>
+              </a:solidFill>
+            </a:endParaRPr>
+          </a:p>
+        </p:txBody>
+      </p:sp>
+      <p:sp>
+        <p:nvSpPr>
+          <p:cNvPr id="12" name="Rectangle à coins arrondis 11"/>
+          <p:cNvSpPr/>
+          <p:nvPr/>
+        </p:nvSpPr>
+        <p:spPr>
+          <a:xfrm>
+            <a:off x="3142979" y="5738999"/>
+            <a:ext cx="707963" cy="119780"/>
+          </a:xfrm>
+          <a:prstGeom prst="roundRect">
+            <a:avLst/>
+          </a:prstGeom>
+          <a:solidFill>
+            <a:schemeClr val="bg1">
+              <a:lumMod val="95000"/>
+            </a:schemeClr>
+          </a:solidFill>
+        </p:spPr>
+        <p:style>
+          <a:lnRef idx="2">
+            <a:schemeClr val="accent1">
+              <a:shade val="50000"/>
+            </a:schemeClr>
+          </a:lnRef>
+          <a:fillRef idx="1">
+            <a:schemeClr val="accent1"/>
+          </a:fillRef>
+          <a:effectRef idx="0">
+            <a:schemeClr val="accent1"/>
+          </a:effectRef>
+          <a:fontRef idx="minor">
+            <a:schemeClr val="lt1"/>
+          </a:fontRef>
+        </p:style>
+        <p:txBody>
+          <a:bodyPr rtlCol="0" anchor="ctr"/>
+          <a:lstStyle/>
+          <a:p>
+            <a:pPr algn="ctr"/>
+            <a:r>
+              <a:rPr lang="fr-FR" sz="700" dirty="0" smtClean="0">
+                <a:solidFill>
+                  <a:sysClr val="windowText" lastClr="000000"/>
+                </a:solidFill>
+              </a:rPr>
+              <a:t>Créer</a:t>
+            </a:r>
+            <a:endParaRPr lang="fr-FR" sz="700" dirty="0">
+              <a:solidFill>
+                <a:sysClr val="windowText" lastClr="000000"/>
+              </a:solidFill>
+            </a:endParaRPr>
+          </a:p>
+        </p:txBody>
+      </p:sp>
+      <p:sp>
+        <p:nvSpPr>
+          <p:cNvPr id="13" name="ZoneTexte 12"/>
+          <p:cNvSpPr txBox="1"/>
+          <p:nvPr/>
+        </p:nvSpPr>
+        <p:spPr>
+          <a:xfrm>
+            <a:off x="6376086" y="1346886"/>
+            <a:ext cx="5066271" cy="3416320"/>
+          </a:xfrm>
+          <a:prstGeom prst="rect">
+            <a:avLst/>
+          </a:prstGeom>
+          <a:noFill/>
+        </p:spPr>
+        <p:txBody>
+          <a:bodyPr wrap="square" rtlCol="0">
+            <a:spAutoFit/>
+          </a:bodyPr>
+          <a:lstStyle/>
+          <a:p>
+            <a:r>
+              <a:rPr lang="fr-FR" dirty="0" smtClean="0"/>
+              <a:t>Chemin : </a:t>
+            </a:r>
+            <a:r>
+              <a:rPr lang="fr-FR" dirty="0"/>
+              <a:t>../</a:t>
+            </a:r>
+            <a:r>
+              <a:rPr lang="fr-FR" dirty="0" smtClean="0"/>
+              <a:t>terrains/</a:t>
+            </a:r>
+            <a:r>
+              <a:rPr lang="fr-FR" dirty="0" err="1" smtClean="0"/>
+              <a:t>clonerTerrains.xhtml</a:t>
+            </a:r>
+            <a:endParaRPr lang="fr-FR" dirty="0" smtClean="0"/>
+          </a:p>
+          <a:p>
+            <a:endParaRPr lang="fr-FR" dirty="0"/>
+          </a:p>
+          <a:p>
+            <a:r>
+              <a:rPr lang="fr-FR" dirty="0" smtClean="0"/>
+              <a:t>Description : Cette page permet de </a:t>
+            </a:r>
+            <a:r>
+              <a:rPr lang="fr-FR" dirty="0" smtClean="0"/>
+              <a:t>dupliquer </a:t>
+            </a:r>
+            <a:r>
+              <a:rPr lang="fr-FR" dirty="0" smtClean="0"/>
+              <a:t>un </a:t>
+            </a:r>
+            <a:r>
+              <a:rPr lang="fr-FR" dirty="0" smtClean="0"/>
+              <a:t>terrain communautaire </a:t>
+            </a:r>
+            <a:r>
+              <a:rPr lang="fr-FR" dirty="0" smtClean="0"/>
+              <a:t>ou </a:t>
+            </a:r>
+            <a:r>
+              <a:rPr lang="fr-FR" dirty="0" smtClean="0"/>
+              <a:t>privé existant.</a:t>
+            </a:r>
+            <a:endParaRPr lang="fr-FR" dirty="0" smtClean="0"/>
+          </a:p>
+          <a:p>
+            <a:endParaRPr lang="fr-FR" dirty="0"/>
+          </a:p>
+          <a:p>
+            <a:r>
+              <a:rPr lang="fr-FR" dirty="0" smtClean="0"/>
+              <a:t>Eléments – Boutons</a:t>
+            </a:r>
+            <a:r>
+              <a:rPr lang="fr-FR" dirty="0"/>
+              <a:t> </a:t>
+            </a:r>
+            <a:r>
+              <a:rPr lang="fr-FR" dirty="0" smtClean="0"/>
+              <a:t>: Créer (communautaire), Créer (privé)</a:t>
+            </a:r>
+          </a:p>
+          <a:p>
+            <a:endParaRPr lang="fr-FR" dirty="0" smtClean="0"/>
+          </a:p>
+          <a:p>
+            <a:r>
+              <a:rPr lang="fr-FR" dirty="0" smtClean="0"/>
+              <a:t>Actions : </a:t>
+            </a:r>
+            <a:r>
+              <a:rPr lang="fr-FR" dirty="0" smtClean="0"/>
+              <a:t>Duplique un terrain communautaire</a:t>
+            </a:r>
+            <a:r>
+              <a:rPr lang="fr-FR" dirty="0"/>
+              <a:t>, Duplique un </a:t>
+            </a:r>
+            <a:r>
+              <a:rPr lang="fr-FR" dirty="0" smtClean="0"/>
+              <a:t>terrain privé</a:t>
+            </a:r>
+            <a:endParaRPr lang="fr-FR" dirty="0" smtClean="0"/>
+          </a:p>
+          <a:p>
+            <a:endParaRPr lang="fr-FR" dirty="0"/>
+          </a:p>
+          <a:p>
+            <a:r>
+              <a:rPr lang="fr-FR" dirty="0" smtClean="0"/>
+              <a:t>Accessible par : </a:t>
+            </a:r>
+            <a:r>
+              <a:rPr lang="fr-FR" dirty="0" err="1" smtClean="0"/>
+              <a:t>terrain.xhtml</a:t>
+            </a:r>
+            <a:r>
+              <a:rPr lang="fr-FR" dirty="0" smtClean="0"/>
+              <a:t>, </a:t>
+            </a:r>
+            <a:r>
+              <a:rPr lang="fr-FR" dirty="0" err="1" smtClean="0"/>
+              <a:t>detailTerrain.xhtml</a:t>
+            </a:r>
+            <a:endParaRPr lang="fr-FR" dirty="0" smtClean="0"/>
+          </a:p>
+        </p:txBody>
+      </p:sp>
+    </p:spTree>
+    <p:extLst>
+      <p:ext uri="{BB962C8B-B14F-4D97-AF65-F5344CB8AC3E}">
+        <p14:creationId xmlns:p14="http://schemas.microsoft.com/office/powerpoint/2010/main" val="3128408669"/>
+      </p:ext>
+    </p:extLst>
+  </p:cSld>
+  <p:clrMapOvr>
+    <a:masterClrMapping/>
+  </p:clrMapOvr>
+</p:sld>
+</file>
+
+<file path=ppt/slides/slide7.xml><?xml version="1.0" encoding="utf-8"?>
 <p:sld xmlns:a="http://schemas.openxmlformats.org/drawingml/2006/main" xmlns:r="http://schemas.openxmlformats.org/officeDocument/2006/relationships" xmlns:p="http://schemas.openxmlformats.org/presentationml/2006/main">
   <p:cSld>
     <p:spTree>
